--- a/PPTs/1. Banca Móvil Capacitación.pptx
+++ b/PPTs/1. Banca Móvil Capacitación.pptx
@@ -12,11 +12,11 @@
     <p:sldId id="260" r:id="rId6"/>
     <p:sldId id="272" r:id="rId7"/>
     <p:sldId id="273" r:id="rId8"/>
-    <p:sldId id="274" r:id="rId9"/>
-    <p:sldId id="275" r:id="rId10"/>
-    <p:sldId id="277" r:id="rId11"/>
-    <p:sldId id="276" r:id="rId12"/>
-    <p:sldId id="278" r:id="rId13"/>
+    <p:sldId id="278" r:id="rId9"/>
+    <p:sldId id="274" r:id="rId10"/>
+    <p:sldId id="275" r:id="rId11"/>
+    <p:sldId id="277" r:id="rId12"/>
+    <p:sldId id="276" r:id="rId13"/>
     <p:sldId id="279" r:id="rId14"/>
     <p:sldId id="280" r:id="rId15"/>
     <p:sldId id="288" r:id="rId16"/>
@@ -303,7 +303,7 @@
           <a:p>
             <a:fld id="{6BBFDD6B-F337-42A8-9410-06192D8D1986}" type="datetimeFigureOut">
               <a:rPr lang="es-EC" smtClean="0"/>
-              <a:t>2021-10-26</a:t>
+              <a:t>2021-10-27</a:t>
             </a:fld>
             <a:endParaRPr lang="es-EC"/>
           </a:p>
@@ -503,7 +503,7 @@
           <a:p>
             <a:fld id="{6BBFDD6B-F337-42A8-9410-06192D8D1986}" type="datetimeFigureOut">
               <a:rPr lang="es-EC" smtClean="0"/>
-              <a:t>2021-10-26</a:t>
+              <a:t>2021-10-27</a:t>
             </a:fld>
             <a:endParaRPr lang="es-EC"/>
           </a:p>
@@ -713,7 +713,7 @@
           <a:p>
             <a:fld id="{6BBFDD6B-F337-42A8-9410-06192D8D1986}" type="datetimeFigureOut">
               <a:rPr lang="es-EC" smtClean="0"/>
-              <a:t>2021-10-26</a:t>
+              <a:t>2021-10-27</a:t>
             </a:fld>
             <a:endParaRPr lang="es-EC"/>
           </a:p>
@@ -913,7 +913,7 @@
           <a:p>
             <a:fld id="{6BBFDD6B-F337-42A8-9410-06192D8D1986}" type="datetimeFigureOut">
               <a:rPr lang="es-EC" smtClean="0"/>
-              <a:t>2021-10-26</a:t>
+              <a:t>2021-10-27</a:t>
             </a:fld>
             <a:endParaRPr lang="es-EC"/>
           </a:p>
@@ -1189,7 +1189,7 @@
           <a:p>
             <a:fld id="{6BBFDD6B-F337-42A8-9410-06192D8D1986}" type="datetimeFigureOut">
               <a:rPr lang="es-EC" smtClean="0"/>
-              <a:t>2021-10-26</a:t>
+              <a:t>2021-10-27</a:t>
             </a:fld>
             <a:endParaRPr lang="es-EC"/>
           </a:p>
@@ -1457,7 +1457,7 @@
           <a:p>
             <a:fld id="{6BBFDD6B-F337-42A8-9410-06192D8D1986}" type="datetimeFigureOut">
               <a:rPr lang="es-EC" smtClean="0"/>
-              <a:t>2021-10-26</a:t>
+              <a:t>2021-10-27</a:t>
             </a:fld>
             <a:endParaRPr lang="es-EC"/>
           </a:p>
@@ -1872,7 +1872,7 @@
           <a:p>
             <a:fld id="{6BBFDD6B-F337-42A8-9410-06192D8D1986}" type="datetimeFigureOut">
               <a:rPr lang="es-EC" smtClean="0"/>
-              <a:t>2021-10-26</a:t>
+              <a:t>2021-10-27</a:t>
             </a:fld>
             <a:endParaRPr lang="es-EC"/>
           </a:p>
@@ -2014,7 +2014,7 @@
           <a:p>
             <a:fld id="{6BBFDD6B-F337-42A8-9410-06192D8D1986}" type="datetimeFigureOut">
               <a:rPr lang="es-EC" smtClean="0"/>
-              <a:t>2021-10-26</a:t>
+              <a:t>2021-10-27</a:t>
             </a:fld>
             <a:endParaRPr lang="es-EC"/>
           </a:p>
@@ -2127,7 +2127,7 @@
           <a:p>
             <a:fld id="{6BBFDD6B-F337-42A8-9410-06192D8D1986}" type="datetimeFigureOut">
               <a:rPr lang="es-EC" smtClean="0"/>
-              <a:t>2021-10-26</a:t>
+              <a:t>2021-10-27</a:t>
             </a:fld>
             <a:endParaRPr lang="es-EC"/>
           </a:p>
@@ -2440,7 +2440,7 @@
           <a:p>
             <a:fld id="{6BBFDD6B-F337-42A8-9410-06192D8D1986}" type="datetimeFigureOut">
               <a:rPr lang="es-EC" smtClean="0"/>
-              <a:t>2021-10-26</a:t>
+              <a:t>2021-10-27</a:t>
             </a:fld>
             <a:endParaRPr lang="es-EC"/>
           </a:p>
@@ -2729,7 +2729,7 @@
           <a:p>
             <a:fld id="{6BBFDD6B-F337-42A8-9410-06192D8D1986}" type="datetimeFigureOut">
               <a:rPr lang="es-EC" smtClean="0"/>
-              <a:t>2021-10-26</a:t>
+              <a:t>2021-10-27</a:t>
             </a:fld>
             <a:endParaRPr lang="es-EC"/>
           </a:p>
@@ -2972,7 +2972,7 @@
           <a:p>
             <a:fld id="{6BBFDD6B-F337-42A8-9410-06192D8D1986}" type="datetimeFigureOut">
               <a:rPr lang="es-EC" smtClean="0"/>
-              <a:t>2021-10-26</a:t>
+              <a:t>2021-10-27</a:t>
             </a:fld>
             <a:endParaRPr lang="es-EC"/>
           </a:p>
@@ -3479,10 +3479,10 @@
       </p:grpSpPr>
       <p:sp>
         <p:nvSpPr>
-          <p:cNvPr id="11" name="Rectangle 10">
-            <a:extLst>
-              <a:ext uri="{FF2B5EF4-FFF2-40B4-BE49-F238E27FC236}">
-                <a16:creationId xmlns:a16="http://schemas.microsoft.com/office/drawing/2014/main" id="{AB45A142-4255-493C-8284-5D566C121B10}"/>
+          <p:cNvPr id="16" name="Rectangle 15">
+            <a:extLst>
+              <a:ext uri="{FF2B5EF4-FFF2-40B4-BE49-F238E27FC236}">
+                <a16:creationId xmlns:a16="http://schemas.microsoft.com/office/drawing/2014/main" id="{823AC064-BC96-4F32-8AE1-B2FD38754823}"/>
               </a:ext>
               <a:ext uri="{C183D7F6-B498-43B3-948B-1728B52AA6E4}">
                 <adec:decorative xmlns:adec="http://schemas.microsoft.com/office/drawing/2017/decorative" val="1"/>
@@ -3502,22 +3502,18 @@
         </p:nvSpPr>
         <p:spPr bwMode="ltGray">
           <a:xfrm>
-            <a:off x="336884" y="321177"/>
-            <a:ext cx="4332307" cy="6179552"/>
+            <a:off x="396882" y="280374"/>
+            <a:ext cx="11438793" cy="1844256"/>
           </a:xfrm>
           <a:prstGeom prst="rect">
             <a:avLst/>
           </a:prstGeom>
           <a:solidFill>
-            <a:srgbClr val="404040">
-              <a:alpha val="89804"/>
-            </a:srgbClr>
+            <a:srgbClr val="404040"/>
           </a:solidFill>
           <a:ln w="127000" cap="sq" cmpd="thinThick">
             <a:solidFill>
-              <a:srgbClr val="595959">
-                <a:alpha val="80000"/>
-              </a:srgbClr>
+              <a:srgbClr val="404040"/>
             </a:solidFill>
           </a:ln>
         </p:spPr>
@@ -3551,7 +3547,7 @@
           <p:cNvPr id="2" name="Title 1">
             <a:extLst>
               <a:ext uri="{FF2B5EF4-FFF2-40B4-BE49-F238E27FC236}">
-                <a16:creationId xmlns:a16="http://schemas.microsoft.com/office/drawing/2014/main" id="{0D0F896D-6B8B-4208-A744-E4E65E4E90BA}"/>
+                <a16:creationId xmlns:a16="http://schemas.microsoft.com/office/drawing/2014/main" id="{EFDAFFBC-CFE8-4730-854D-BD914DECD6E9}"/>
               </a:ext>
             </a:extLst>
           </p:cNvPr>
@@ -3564,8 +3560,8 @@
         </p:nvSpPr>
         <p:spPr>
           <a:xfrm>
-            <a:off x="674237" y="914400"/>
-            <a:ext cx="3657600" cy="2887579"/>
+            <a:off x="546351" y="433545"/>
+            <a:ext cx="11139854" cy="930447"/>
           </a:xfrm>
         </p:spPr>
         <p:txBody>
@@ -3576,25 +3572,22 @@
           <a:p>
             <a:pPr algn="ctr"/>
             <a:r>
-              <a:rPr lang="en-US" sz="3000" kern="1200">
+              <a:rPr lang="en-US" sz="5400">
                 <a:solidFill>
                   <a:srgbClr val="FFFFFF"/>
                 </a:solidFill>
-                <a:latin typeface="+mj-lt"/>
-                <a:ea typeface="+mj-ea"/>
-                <a:cs typeface="+mj-cs"/>
               </a:rPr>
-              <a:t>Menú (menu.js - commonElements.js)</a:t>
+              <a:t>Mensajes de Error (behavior-error.js)</a:t>
             </a:r>
           </a:p>
         </p:txBody>
       </p:sp>
       <p:cxnSp>
         <p:nvCxnSpPr>
-          <p:cNvPr id="13" name="Straight Connector 12">
-            <a:extLst>
-              <a:ext uri="{FF2B5EF4-FFF2-40B4-BE49-F238E27FC236}">
-                <a16:creationId xmlns:a16="http://schemas.microsoft.com/office/drawing/2014/main" id="{38FB9660-F42F-4313-BBC4-47C007FE484C}"/>
+          <p:cNvPr id="18" name="Straight Connector 17">
+            <a:extLst>
+              <a:ext uri="{FF2B5EF4-FFF2-40B4-BE49-F238E27FC236}">
+                <a16:creationId xmlns:a16="http://schemas.microsoft.com/office/drawing/2014/main" id="{7E7C77BC-7138-40B1-A15B-20F57A494629}"/>
               </a:ext>
               <a:ext uri="{C183D7F6-B498-43B3-948B-1728B52AA6E4}">
                 <adec:decorative xmlns:adec="http://schemas.microsoft.com/office/drawing/2017/decorative" val="1"/>
@@ -3614,8 +3607,8 @@
         </p:nvCxnSpPr>
         <p:spPr>
           <a:xfrm>
-            <a:off x="1191126" y="3910267"/>
-            <a:ext cx="2586790" cy="0"/>
+            <a:off x="2230078" y="1522292"/>
+            <a:ext cx="7772400" cy="0"/>
           </a:xfrm>
           <a:prstGeom prst="line">
             <a:avLst/>
@@ -3643,29 +3636,110 @@
       </p:cxnSp>
       <p:pic>
         <p:nvPicPr>
-          <p:cNvPr id="8" name="Content Placeholder 4">
-            <a:extLst>
-              <a:ext uri="{FF2B5EF4-FFF2-40B4-BE49-F238E27FC236}">
-                <a16:creationId xmlns:a16="http://schemas.microsoft.com/office/drawing/2014/main" id="{8560E617-E0A1-4AC1-A74F-55BD6BE50264}"/>
+          <p:cNvPr id="7" name="Picture 6">
+            <a:extLst>
+              <a:ext uri="{FF2B5EF4-FFF2-40B4-BE49-F238E27FC236}">
+                <a16:creationId xmlns:a16="http://schemas.microsoft.com/office/drawing/2014/main" id="{482EF570-5F8B-4D3C-A94A-D2E7DA4213F1}"/>
               </a:ext>
             </a:extLst>
           </p:cNvPr>
           <p:cNvPicPr>
-            <a:picLocks noGrp="1" noChangeAspect="1"/>
+            <a:picLocks noChangeAspect="1"/>
           </p:cNvPicPr>
-          <p:nvPr>
-            <p:ph idx="1"/>
-          </p:nvPr>
+          <p:nvPr/>
         </p:nvPicPr>
-        <p:blipFill rotWithShape="1">
+        <p:blipFill>
           <a:blip r:embed="rId2"/>
-          <a:srcRect l="1529" r="5619"/>
-          <a:stretch/>
+          <a:stretch>
+            <a:fillRect/>
+          </a:stretch>
         </p:blipFill>
         <p:spPr>
           <a:xfrm>
-            <a:off x="5814568" y="492573"/>
-            <a:ext cx="5232053" cy="5880796"/>
+            <a:off x="6379758" y="3112422"/>
+            <a:ext cx="5455917" cy="2223286"/>
+          </a:xfrm>
+          <a:prstGeom prst="rect">
+            <a:avLst/>
+          </a:prstGeom>
+        </p:spPr>
+      </p:pic>
+      <p:cxnSp>
+        <p:nvCxnSpPr>
+          <p:cNvPr id="20" name="Straight Connector 19">
+            <a:extLst>
+              <a:ext uri="{FF2B5EF4-FFF2-40B4-BE49-F238E27FC236}">
+                <a16:creationId xmlns:a16="http://schemas.microsoft.com/office/drawing/2014/main" id="{DB146403-F3D6-484B-B2ED-97F9565D0370}"/>
+              </a:ext>
+              <a:ext uri="{C183D7F6-B498-43B3-948B-1728B52AA6E4}">
+                <adec:decorative xmlns:adec="http://schemas.microsoft.com/office/drawing/2017/decorative" val="1"/>
+              </a:ext>
+            </a:extLst>
+          </p:cNvPr>
+          <p:cNvCxnSpPr>
+            <a:cxnSpLocks noGrp="1" noRot="1" noChangeAspect="1" noMove="1" noResize="1" noEditPoints="1" noAdjustHandles="1" noChangeArrowheads="1" noChangeShapeType="1"/>
+          </p:cNvCxnSpPr>
+          <p:nvPr>
+            <p:extLst>
+              <p:ext uri="{386F3935-93C4-4BCD-93E2-E3B085C9AB24}">
+                <p16:designElem xmlns:p16="http://schemas.microsoft.com/office/powerpoint/2015/main" val="1"/>
+              </p:ext>
+            </p:extLst>
+          </p:nvPr>
+        </p:nvCxnSpPr>
+        <p:spPr>
+          <a:xfrm>
+            <a:off x="6116278" y="2596836"/>
+            <a:ext cx="0" cy="3657600"/>
+          </a:xfrm>
+          <a:prstGeom prst="line">
+            <a:avLst/>
+          </a:prstGeom>
+          <a:ln w="101600" cmpd="dbl">
+            <a:solidFill>
+              <a:srgbClr val="595959"/>
+            </a:solidFill>
+          </a:ln>
+        </p:spPr>
+        <p:style>
+          <a:lnRef idx="1">
+            <a:schemeClr val="accent1"/>
+          </a:lnRef>
+          <a:fillRef idx="0">
+            <a:schemeClr val="accent1"/>
+          </a:fillRef>
+          <a:effectRef idx="0">
+            <a:schemeClr val="accent1"/>
+          </a:effectRef>
+          <a:fontRef idx="minor">
+            <a:schemeClr val="tx1"/>
+          </a:fontRef>
+        </p:style>
+      </p:cxnSp>
+      <p:pic>
+        <p:nvPicPr>
+          <p:cNvPr id="6" name="Picture 5">
+            <a:extLst>
+              <a:ext uri="{FF2B5EF4-FFF2-40B4-BE49-F238E27FC236}">
+                <a16:creationId xmlns:a16="http://schemas.microsoft.com/office/drawing/2014/main" id="{79209ACA-0195-4821-A70D-DBE27F23A941}"/>
+              </a:ext>
+            </a:extLst>
+          </p:cNvPr>
+          <p:cNvPicPr>
+            <a:picLocks noChangeAspect="1"/>
+          </p:cNvPicPr>
+          <p:nvPr/>
+        </p:nvPicPr>
+        <p:blipFill>
+          <a:blip r:embed="rId3"/>
+          <a:stretch>
+            <a:fillRect/>
+          </a:stretch>
+        </p:blipFill>
+        <p:spPr>
+          <a:xfrm>
+            <a:off x="356325" y="3385217"/>
+            <a:ext cx="5455917" cy="1677695"/>
           </a:xfrm>
           <a:prstGeom prst="rect">
             <a:avLst/>
@@ -3675,7 +3749,7 @@
     </p:spTree>
     <p:extLst>
       <p:ext uri="{BB962C8B-B14F-4D97-AF65-F5344CB8AC3E}">
-        <p14:creationId xmlns:p14="http://schemas.microsoft.com/office/powerpoint/2010/main" val="3597610128"/>
+        <p14:creationId xmlns:p14="http://schemas.microsoft.com/office/powerpoint/2010/main" val="2608671324"/>
       </p:ext>
     </p:extLst>
   </p:cSld>
@@ -3712,10 +3786,10 @@
       </p:grpSpPr>
       <p:sp>
         <p:nvSpPr>
-          <p:cNvPr id="16" name="Rectangle 15">
-            <a:extLst>
-              <a:ext uri="{FF2B5EF4-FFF2-40B4-BE49-F238E27FC236}">
-                <a16:creationId xmlns:a16="http://schemas.microsoft.com/office/drawing/2014/main" id="{823AC064-BC96-4F32-8AE1-B2FD38754823}"/>
+          <p:cNvPr id="11" name="Rectangle 10">
+            <a:extLst>
+              <a:ext uri="{FF2B5EF4-FFF2-40B4-BE49-F238E27FC236}">
+                <a16:creationId xmlns:a16="http://schemas.microsoft.com/office/drawing/2014/main" id="{AB45A142-4255-493C-8284-5D566C121B10}"/>
               </a:ext>
               <a:ext uri="{C183D7F6-B498-43B3-948B-1728B52AA6E4}">
                 <adec:decorative xmlns:adec="http://schemas.microsoft.com/office/drawing/2017/decorative" val="1"/>
@@ -3735,18 +3809,22 @@
         </p:nvSpPr>
         <p:spPr bwMode="ltGray">
           <a:xfrm>
-            <a:off x="396882" y="280374"/>
-            <a:ext cx="11438793" cy="1844256"/>
+            <a:off x="336884" y="321177"/>
+            <a:ext cx="4332307" cy="6179552"/>
           </a:xfrm>
           <a:prstGeom prst="rect">
             <a:avLst/>
           </a:prstGeom>
           <a:solidFill>
-            <a:srgbClr val="404040"/>
+            <a:srgbClr val="404040">
+              <a:alpha val="89804"/>
+            </a:srgbClr>
           </a:solidFill>
           <a:ln w="127000" cap="sq" cmpd="thinThick">
             <a:solidFill>
-              <a:srgbClr val="404040"/>
+              <a:srgbClr val="595959">
+                <a:alpha val="80000"/>
+              </a:srgbClr>
             </a:solidFill>
           </a:ln>
         </p:spPr>
@@ -3780,7 +3858,7 @@
           <p:cNvPr id="2" name="Title 1">
             <a:extLst>
               <a:ext uri="{FF2B5EF4-FFF2-40B4-BE49-F238E27FC236}">
-                <a16:creationId xmlns:a16="http://schemas.microsoft.com/office/drawing/2014/main" id="{EFDAFFBC-CFE8-4730-854D-BD914DECD6E9}"/>
+                <a16:creationId xmlns:a16="http://schemas.microsoft.com/office/drawing/2014/main" id="{0D0F896D-6B8B-4208-A744-E4E65E4E90BA}"/>
               </a:ext>
             </a:extLst>
           </p:cNvPr>
@@ -3793,8 +3871,8 @@
         </p:nvSpPr>
         <p:spPr>
           <a:xfrm>
-            <a:off x="546351" y="433545"/>
-            <a:ext cx="11139854" cy="930447"/>
+            <a:off x="674237" y="914400"/>
+            <a:ext cx="3657600" cy="2887579"/>
           </a:xfrm>
         </p:spPr>
         <p:txBody>
@@ -3805,30 +3883,25 @@
           <a:p>
             <a:pPr algn="ctr"/>
             <a:r>
-              <a:rPr lang="en-US" sz="5400" dirty="0" err="1">
+              <a:rPr lang="en-US" sz="3000" kern="1200">
                 <a:solidFill>
                   <a:srgbClr val="FFFFFF"/>
                 </a:solidFill>
+                <a:latin typeface="+mj-lt"/>
+                <a:ea typeface="+mj-ea"/>
+                <a:cs typeface="+mj-cs"/>
               </a:rPr>
-              <a:t>Menú</a:t>
-            </a:r>
-            <a:r>
-              <a:rPr lang="en-US" sz="5400" dirty="0">
-                <a:solidFill>
-                  <a:srgbClr val="FFFFFF"/>
-                </a:solidFill>
-              </a:rPr>
-              <a:t> (menu.js - commonElements.js)</a:t>
+              <a:t>Menú (menu.js - commonElements.js)</a:t>
             </a:r>
           </a:p>
         </p:txBody>
       </p:sp>
       <p:cxnSp>
         <p:nvCxnSpPr>
-          <p:cNvPr id="18" name="Straight Connector 17">
-            <a:extLst>
-              <a:ext uri="{FF2B5EF4-FFF2-40B4-BE49-F238E27FC236}">
-                <a16:creationId xmlns:a16="http://schemas.microsoft.com/office/drawing/2014/main" id="{7E7C77BC-7138-40B1-A15B-20F57A494629}"/>
+          <p:cNvPr id="13" name="Straight Connector 12">
+            <a:extLst>
+              <a:ext uri="{FF2B5EF4-FFF2-40B4-BE49-F238E27FC236}">
+                <a16:creationId xmlns:a16="http://schemas.microsoft.com/office/drawing/2014/main" id="{38FB9660-F42F-4313-BBC4-47C007FE484C}"/>
               </a:ext>
               <a:ext uri="{C183D7F6-B498-43B3-948B-1728B52AA6E4}">
                 <adec:decorative xmlns:adec="http://schemas.microsoft.com/office/drawing/2017/decorative" val="1"/>
@@ -3848,8 +3921,8 @@
         </p:nvCxnSpPr>
         <p:spPr>
           <a:xfrm>
-            <a:off x="2230078" y="1522292"/>
-            <a:ext cx="7772400" cy="0"/>
+            <a:off x="1191126" y="3910267"/>
+            <a:ext cx="2586790" cy="0"/>
           </a:xfrm>
           <a:prstGeom prst="line">
             <a:avLst/>
@@ -3875,142 +3948,31 @@
           </a:fontRef>
         </p:style>
       </p:cxnSp>
-      <p:cxnSp>
-        <p:nvCxnSpPr>
-          <p:cNvPr id="20" name="Straight Connector 19">
-            <a:extLst>
-              <a:ext uri="{FF2B5EF4-FFF2-40B4-BE49-F238E27FC236}">
-                <a16:creationId xmlns:a16="http://schemas.microsoft.com/office/drawing/2014/main" id="{DB146403-F3D6-484B-B2ED-97F9565D0370}"/>
-              </a:ext>
-              <a:ext uri="{C183D7F6-B498-43B3-948B-1728B52AA6E4}">
-                <adec:decorative xmlns:adec="http://schemas.microsoft.com/office/drawing/2017/decorative" val="1"/>
-              </a:ext>
-            </a:extLst>
-          </p:cNvPr>
-          <p:cNvCxnSpPr>
-            <a:cxnSpLocks noGrp="1" noRot="1" noChangeAspect="1" noMove="1" noResize="1" noEditPoints="1" noAdjustHandles="1" noChangeArrowheads="1" noChangeShapeType="1"/>
-          </p:cNvCxnSpPr>
-          <p:nvPr>
-            <p:extLst>
-              <p:ext uri="{386F3935-93C4-4BCD-93E2-E3B085C9AB24}">
-                <p16:designElem xmlns:p16="http://schemas.microsoft.com/office/powerpoint/2015/main" val="1"/>
-              </p:ext>
-            </p:extLst>
-          </p:nvPr>
-        </p:nvCxnSpPr>
-        <p:spPr>
-          <a:xfrm>
-            <a:off x="6116278" y="2596836"/>
-            <a:ext cx="0" cy="3657600"/>
-          </a:xfrm>
-          <a:prstGeom prst="line">
-            <a:avLst/>
-          </a:prstGeom>
-          <a:ln w="101600" cmpd="dbl">
-            <a:solidFill>
-              <a:srgbClr val="595959"/>
-            </a:solidFill>
-          </a:ln>
-        </p:spPr>
-        <p:style>
-          <a:lnRef idx="1">
-            <a:schemeClr val="accent1"/>
-          </a:lnRef>
-          <a:fillRef idx="0">
-            <a:schemeClr val="accent1"/>
-          </a:fillRef>
-          <a:effectRef idx="0">
-            <a:schemeClr val="accent1"/>
-          </a:effectRef>
-          <a:fontRef idx="minor">
-            <a:schemeClr val="tx1"/>
-          </a:fontRef>
-        </p:style>
-      </p:cxnSp>
       <p:pic>
         <p:nvPicPr>
-          <p:cNvPr id="3" name="Picture 2">
-            <a:extLst>
-              <a:ext uri="{FF2B5EF4-FFF2-40B4-BE49-F238E27FC236}">
-                <a16:creationId xmlns:a16="http://schemas.microsoft.com/office/drawing/2014/main" id="{66F80FB0-DCF2-42B4-8C94-ED6FF6BAD5D1}"/>
+          <p:cNvPr id="8" name="Content Placeholder 4">
+            <a:extLst>
+              <a:ext uri="{FF2B5EF4-FFF2-40B4-BE49-F238E27FC236}">
+                <a16:creationId xmlns:a16="http://schemas.microsoft.com/office/drawing/2014/main" id="{8560E617-E0A1-4AC1-A74F-55BD6BE50264}"/>
               </a:ext>
             </a:extLst>
           </p:cNvPr>
           <p:cNvPicPr>
-            <a:picLocks noChangeAspect="1"/>
+            <a:picLocks noGrp="1" noChangeAspect="1"/>
           </p:cNvPicPr>
-          <p:nvPr/>
+          <p:nvPr>
+            <p:ph idx="1"/>
+          </p:nvPr>
         </p:nvPicPr>
-        <p:blipFill>
+        <p:blipFill rotWithShape="1">
           <a:blip r:embed="rId2"/>
-          <a:stretch>
-            <a:fillRect/>
-          </a:stretch>
+          <a:srcRect l="1529" r="5619"/>
+          <a:stretch/>
         </p:blipFill>
         <p:spPr>
           <a:xfrm>
-            <a:off x="716593" y="2491795"/>
-            <a:ext cx="4571413" cy="857143"/>
-          </a:xfrm>
-          <a:prstGeom prst="rect">
-            <a:avLst/>
-          </a:prstGeom>
-        </p:spPr>
-      </p:pic>
-      <p:pic>
-        <p:nvPicPr>
-          <p:cNvPr id="4" name="Picture 3">
-            <a:extLst>
-              <a:ext uri="{FF2B5EF4-FFF2-40B4-BE49-F238E27FC236}">
-                <a16:creationId xmlns:a16="http://schemas.microsoft.com/office/drawing/2014/main" id="{B5F3C095-95C3-47A3-ACE2-C8BDDADC030E}"/>
-              </a:ext>
-            </a:extLst>
-          </p:cNvPr>
-          <p:cNvPicPr>
-            <a:picLocks noChangeAspect="1"/>
-          </p:cNvPicPr>
-          <p:nvPr/>
-        </p:nvPicPr>
-        <p:blipFill>
-          <a:blip r:embed="rId3"/>
-          <a:stretch>
-            <a:fillRect/>
-          </a:stretch>
-        </p:blipFill>
-        <p:spPr>
-          <a:xfrm>
-            <a:off x="716594" y="3262384"/>
-            <a:ext cx="4571429" cy="3066667"/>
-          </a:xfrm>
-          <a:prstGeom prst="rect">
-            <a:avLst/>
-          </a:prstGeom>
-        </p:spPr>
-      </p:pic>
-      <p:pic>
-        <p:nvPicPr>
-          <p:cNvPr id="8" name="Picture 7">
-            <a:extLst>
-              <a:ext uri="{FF2B5EF4-FFF2-40B4-BE49-F238E27FC236}">
-                <a16:creationId xmlns:a16="http://schemas.microsoft.com/office/drawing/2014/main" id="{49DBBD73-2FDF-42F2-BD93-2B1C0ABEF463}"/>
-              </a:ext>
-            </a:extLst>
-          </p:cNvPr>
-          <p:cNvPicPr>
-            <a:picLocks noChangeAspect="1"/>
-          </p:cNvPicPr>
-          <p:nvPr/>
-        </p:nvPicPr>
-        <p:blipFill>
-          <a:blip r:embed="rId4"/>
-          <a:stretch>
-            <a:fillRect/>
-          </a:stretch>
-        </p:blipFill>
-        <p:spPr>
-          <a:xfrm>
-            <a:off x="6294953" y="2367911"/>
-            <a:ext cx="5780952" cy="3980952"/>
+            <a:off x="5814568" y="492573"/>
+            <a:ext cx="5232053" cy="5880796"/>
           </a:xfrm>
           <a:prstGeom prst="rect">
             <a:avLst/>
@@ -4020,7 +3982,7 @@
     </p:spTree>
     <p:extLst>
       <p:ext uri="{BB962C8B-B14F-4D97-AF65-F5344CB8AC3E}">
-        <p14:creationId xmlns:p14="http://schemas.microsoft.com/office/powerpoint/2010/main" val="746920220"/>
+        <p14:creationId xmlns:p14="http://schemas.microsoft.com/office/powerpoint/2010/main" val="3597610128"/>
       </p:ext>
     </p:extLst>
   </p:cSld>
@@ -4057,10 +4019,10 @@
       </p:grpSpPr>
       <p:sp>
         <p:nvSpPr>
-          <p:cNvPr id="16" name="Rectangle 10">
-            <a:extLst>
-              <a:ext uri="{FF2B5EF4-FFF2-40B4-BE49-F238E27FC236}">
-                <a16:creationId xmlns:a16="http://schemas.microsoft.com/office/drawing/2014/main" id="{605494DE-B078-4D87-BB01-C84320618DAD}"/>
+          <p:cNvPr id="16" name="Rectangle 15">
+            <a:extLst>
+              <a:ext uri="{FF2B5EF4-FFF2-40B4-BE49-F238E27FC236}">
+                <a16:creationId xmlns:a16="http://schemas.microsoft.com/office/drawing/2014/main" id="{823AC064-BC96-4F32-8AE1-B2FD38754823}"/>
               </a:ext>
               <a:ext uri="{C183D7F6-B498-43B3-948B-1728B52AA6E4}">
                 <adec:decorative xmlns:adec="http://schemas.microsoft.com/office/drawing/2017/decorative" val="1"/>
@@ -4078,19 +4040,21 @@
             </p:extLst>
           </p:nvPr>
         </p:nvSpPr>
-        <p:spPr>
-          <a:xfrm>
-            <a:off x="0" y="-3324"/>
-            <a:ext cx="12192000" cy="6858000"/>
+        <p:spPr bwMode="ltGray">
+          <a:xfrm>
+            <a:off x="396882" y="280374"/>
+            <a:ext cx="11438793" cy="1844256"/>
           </a:xfrm>
           <a:prstGeom prst="rect">
             <a:avLst/>
           </a:prstGeom>
           <a:solidFill>
-            <a:srgbClr val="FFFFFF"/>
+            <a:srgbClr val="404040"/>
           </a:solidFill>
-          <a:ln>
-            <a:noFill/>
+          <a:ln w="127000" cap="sq" cmpd="thinThick">
+            <a:solidFill>
+              <a:srgbClr val="404040"/>
+            </a:solidFill>
           </a:ln>
         </p:spPr>
         <p:style>
@@ -4120,19 +4084,67 @@
       </p:sp>
       <p:sp>
         <p:nvSpPr>
-          <p:cNvPr id="17" name="Rectangle 12">
-            <a:extLst>
-              <a:ext uri="{FF2B5EF4-FFF2-40B4-BE49-F238E27FC236}">
-                <a16:creationId xmlns:a16="http://schemas.microsoft.com/office/drawing/2014/main" id="{9A0576B0-CD8C-4661-95C8-A9F2CE7CDDB0}"/>
+          <p:cNvPr id="2" name="Title 1">
+            <a:extLst>
+              <a:ext uri="{FF2B5EF4-FFF2-40B4-BE49-F238E27FC236}">
+                <a16:creationId xmlns:a16="http://schemas.microsoft.com/office/drawing/2014/main" id="{EFDAFFBC-CFE8-4730-854D-BD914DECD6E9}"/>
+              </a:ext>
+            </a:extLst>
+          </p:cNvPr>
+          <p:cNvSpPr>
+            <a:spLocks noGrp="1"/>
+          </p:cNvSpPr>
+          <p:nvPr>
+            <p:ph type="title"/>
+          </p:nvPr>
+        </p:nvSpPr>
+        <p:spPr>
+          <a:xfrm>
+            <a:off x="546351" y="433545"/>
+            <a:ext cx="11139854" cy="930447"/>
+          </a:xfrm>
+        </p:spPr>
+        <p:txBody>
+          <a:bodyPr vert="horz" lIns="91440" tIns="45720" rIns="91440" bIns="45720" rtlCol="0" anchor="b">
+            <a:normAutofit/>
+          </a:bodyPr>
+          <a:lstStyle/>
+          <a:p>
+            <a:pPr algn="ctr"/>
+            <a:r>
+              <a:rPr lang="en-US" sz="5400" dirty="0" err="1">
+                <a:solidFill>
+                  <a:srgbClr val="FFFFFF"/>
+                </a:solidFill>
+              </a:rPr>
+              <a:t>Menú</a:t>
+            </a:r>
+            <a:r>
+              <a:rPr lang="en-US" sz="5400" dirty="0">
+                <a:solidFill>
+                  <a:srgbClr val="FFFFFF"/>
+                </a:solidFill>
+              </a:rPr>
+              <a:t> (menu.js - commonElements.js)</a:t>
+            </a:r>
+          </a:p>
+        </p:txBody>
+      </p:sp>
+      <p:cxnSp>
+        <p:nvCxnSpPr>
+          <p:cNvPr id="18" name="Straight Connector 17">
+            <a:extLst>
+              <a:ext uri="{FF2B5EF4-FFF2-40B4-BE49-F238E27FC236}">
+                <a16:creationId xmlns:a16="http://schemas.microsoft.com/office/drawing/2014/main" id="{7E7C77BC-7138-40B1-A15B-20F57A494629}"/>
               </a:ext>
               <a:ext uri="{C183D7F6-B498-43B3-948B-1728B52AA6E4}">
                 <adec:decorative xmlns:adec="http://schemas.microsoft.com/office/drawing/2017/decorative" val="1"/>
               </a:ext>
             </a:extLst>
           </p:cNvPr>
-          <p:cNvSpPr>
-            <a:spLocks noGrp="1" noRot="1" noChangeAspect="1" noMove="1" noResize="1" noEditPoints="1" noAdjustHandles="1" noChangeArrowheads="1" noChangeShapeType="1" noTextEdit="1"/>
-          </p:cNvSpPr>
+          <p:cNvCxnSpPr>
+            <a:cxnSpLocks noGrp="1" noRot="1" noChangeAspect="1" noMove="1" noResize="1" noEditPoints="1" noAdjustHandles="1" noChangeArrowheads="1" noChangeShapeType="1"/>
+          </p:cNvCxnSpPr>
           <p:nvPr>
             <p:extLst>
               <p:ext uri="{386F3935-93C4-4BCD-93E2-E3B085C9AB24}">
@@ -4140,64 +4152,51 @@
               </p:ext>
             </p:extLst>
           </p:nvPr>
-        </p:nvSpPr>
-        <p:spPr>
-          <a:xfrm>
-            <a:off x="7467712" y="-3324"/>
-            <a:ext cx="4724288" cy="6861324"/>
-          </a:xfrm>
-          <a:prstGeom prst="rect">
+        </p:nvCxnSpPr>
+        <p:spPr>
+          <a:xfrm>
+            <a:off x="2230078" y="1522292"/>
+            <a:ext cx="7772400" cy="0"/>
+          </a:xfrm>
+          <a:prstGeom prst="line">
             <a:avLst/>
           </a:prstGeom>
-          <a:solidFill>
-            <a:srgbClr val="000000">
-              <a:alpha val="80392"/>
-            </a:srgbClr>
-          </a:solidFill>
-          <a:ln>
-            <a:noFill/>
+          <a:ln w="22225">
+            <a:solidFill>
+              <a:srgbClr val="D9D9D9"/>
+            </a:solidFill>
           </a:ln>
         </p:spPr>
         <p:style>
-          <a:lnRef idx="2">
-            <a:schemeClr val="accent1">
-              <a:shade val="50000"/>
-            </a:schemeClr>
+          <a:lnRef idx="1">
+            <a:schemeClr val="accent1"/>
           </a:lnRef>
-          <a:fillRef idx="1">
+          <a:fillRef idx="0">
             <a:schemeClr val="accent1"/>
           </a:fillRef>
           <a:effectRef idx="0">
             <a:schemeClr val="accent1"/>
           </a:effectRef>
           <a:fontRef idx="minor">
-            <a:schemeClr val="lt1"/>
+            <a:schemeClr val="tx1"/>
           </a:fontRef>
         </p:style>
-        <p:txBody>
-          <a:bodyPr rtlCol="0" anchor="ctr"/>
-          <a:lstStyle/>
-          <a:p>
-            <a:pPr algn="ctr"/>
-            <a:endParaRPr lang="en-US"/>
-          </a:p>
-        </p:txBody>
-      </p:sp>
-      <p:sp>
-        <p:nvSpPr>
-          <p:cNvPr id="15" name="Freeform: Shape 14">
-            <a:extLst>
-              <a:ext uri="{FF2B5EF4-FFF2-40B4-BE49-F238E27FC236}">
-                <a16:creationId xmlns:a16="http://schemas.microsoft.com/office/drawing/2014/main" id="{3FF60E2B-3919-423C-B1FF-56CDE6681165}"/>
+      </p:cxnSp>
+      <p:cxnSp>
+        <p:nvCxnSpPr>
+          <p:cNvPr id="20" name="Straight Connector 19">
+            <a:extLst>
+              <a:ext uri="{FF2B5EF4-FFF2-40B4-BE49-F238E27FC236}">
+                <a16:creationId xmlns:a16="http://schemas.microsoft.com/office/drawing/2014/main" id="{DB146403-F3D6-484B-B2ED-97F9565D0370}"/>
               </a:ext>
               <a:ext uri="{C183D7F6-B498-43B3-948B-1728B52AA6E4}">
                 <adec:decorative xmlns:adec="http://schemas.microsoft.com/office/drawing/2017/decorative" val="1"/>
               </a:ext>
             </a:extLst>
           </p:cNvPr>
-          <p:cNvSpPr>
-            <a:spLocks noGrp="1" noRot="1" noChangeAspect="1" noMove="1" noResize="1" noEditPoints="1" noAdjustHandles="1" noChangeArrowheads="1" noChangeShapeType="1" noTextEdit="1"/>
-          </p:cNvSpPr>
+          <p:cNvCxnSpPr>
+            <a:cxnSpLocks noGrp="1" noRot="1" noChangeAspect="1" noMove="1" noResize="1" noEditPoints="1" noAdjustHandles="1" noChangeArrowheads="1" noChangeShapeType="1"/>
+          </p:cNvCxnSpPr>
           <p:nvPr>
             <p:extLst>
               <p:ext uri="{386F3935-93C4-4BCD-93E2-E3B085C9AB24}">
@@ -4205,142 +4204,42 @@
               </p:ext>
             </p:extLst>
           </p:nvPr>
-        </p:nvSpPr>
-        <p:spPr>
-          <a:xfrm>
-            <a:off x="7467712" y="0"/>
-            <a:ext cx="4319042" cy="6858000"/>
-          </a:xfrm>
-          <a:custGeom>
+        </p:nvCxnSpPr>
+        <p:spPr>
+          <a:xfrm>
+            <a:off x="6116278" y="2596836"/>
+            <a:ext cx="0" cy="3657600"/>
+          </a:xfrm>
+          <a:prstGeom prst="line">
             <a:avLst/>
-            <a:gdLst>
-              <a:gd name="connsiteX0" fmla="*/ 0 w 4319042"/>
-              <a:gd name="connsiteY0" fmla="*/ 0 h 6858000"/>
-              <a:gd name="connsiteX1" fmla="*/ 1142888 w 4319042"/>
-              <a:gd name="connsiteY1" fmla="*/ 0 h 6858000"/>
-              <a:gd name="connsiteX2" fmla="*/ 4319042 w 4319042"/>
-              <a:gd name="connsiteY2" fmla="*/ 6858000 h 6858000"/>
-              <a:gd name="connsiteX3" fmla="*/ 0 w 4319042"/>
-              <a:gd name="connsiteY3" fmla="*/ 6858000 h 6858000"/>
-            </a:gdLst>
-            <a:ahLst/>
-            <a:cxnLst>
-              <a:cxn ang="0">
-                <a:pos x="connsiteX0" y="connsiteY0"/>
-              </a:cxn>
-              <a:cxn ang="0">
-                <a:pos x="connsiteX1" y="connsiteY1"/>
-              </a:cxn>
-              <a:cxn ang="0">
-                <a:pos x="connsiteX2" y="connsiteY2"/>
-              </a:cxn>
-              <a:cxn ang="0">
-                <a:pos x="connsiteX3" y="connsiteY3"/>
-              </a:cxn>
-            </a:cxnLst>
-            <a:rect l="l" t="t" r="r" b="b"/>
-            <a:pathLst>
-              <a:path w="4319042" h="6858000">
-                <a:moveTo>
-                  <a:pt x="0" y="0"/>
-                </a:moveTo>
-                <a:lnTo>
-                  <a:pt x="1142888" y="0"/>
-                </a:lnTo>
-                <a:lnTo>
-                  <a:pt x="4319042" y="6858000"/>
-                </a:lnTo>
-                <a:lnTo>
-                  <a:pt x="0" y="6858000"/>
-                </a:lnTo>
-                <a:close/>
-              </a:path>
-            </a:pathLst>
-          </a:custGeom>
-          <a:solidFill>
-            <a:srgbClr val="000000">
-              <a:alpha val="34902"/>
-            </a:srgbClr>
-          </a:solidFill>
-          <a:ln>
-            <a:noFill/>
+          </a:prstGeom>
+          <a:ln w="101600" cmpd="dbl">
+            <a:solidFill>
+              <a:srgbClr val="595959"/>
+            </a:solidFill>
           </a:ln>
         </p:spPr>
         <p:style>
-          <a:lnRef idx="2">
-            <a:schemeClr val="accent1">
-              <a:shade val="50000"/>
-            </a:schemeClr>
+          <a:lnRef idx="1">
+            <a:schemeClr val="accent1"/>
           </a:lnRef>
-          <a:fillRef idx="1">
+          <a:fillRef idx="0">
             <a:schemeClr val="accent1"/>
           </a:fillRef>
           <a:effectRef idx="0">
             <a:schemeClr val="accent1"/>
           </a:effectRef>
           <a:fontRef idx="minor">
-            <a:schemeClr val="lt1"/>
+            <a:schemeClr val="tx1"/>
           </a:fontRef>
         </p:style>
-        <p:txBody>
-          <a:bodyPr wrap="square" rtlCol="0" anchor="ctr">
-            <a:noAutofit/>
-          </a:bodyPr>
-          <a:lstStyle/>
-          <a:p>
-            <a:pPr algn="ctr"/>
-            <a:endParaRPr lang="en-US"/>
-          </a:p>
-        </p:txBody>
-      </p:sp>
-      <p:sp>
-        <p:nvSpPr>
-          <p:cNvPr id="2" name="Title 1">
-            <a:extLst>
-              <a:ext uri="{FF2B5EF4-FFF2-40B4-BE49-F238E27FC236}">
-                <a16:creationId xmlns:a16="http://schemas.microsoft.com/office/drawing/2014/main" id="{A750C6EF-BC9B-4344-93DD-1E4582C9028D}"/>
-              </a:ext>
-            </a:extLst>
-          </p:cNvPr>
-          <p:cNvSpPr>
-            <a:spLocks noGrp="1"/>
-          </p:cNvSpPr>
-          <p:nvPr>
-            <p:ph type="title"/>
-          </p:nvPr>
-        </p:nvSpPr>
-        <p:spPr>
-          <a:xfrm>
-            <a:off x="8222550" y="1122363"/>
-            <a:ext cx="3308130" cy="2387600"/>
-          </a:xfrm>
-        </p:spPr>
-        <p:txBody>
-          <a:bodyPr vert="horz" lIns="91440" tIns="45720" rIns="91440" bIns="45720" rtlCol="0" anchor="b">
-            <a:normAutofit/>
-          </a:bodyPr>
-          <a:lstStyle/>
-          <a:p>
-            <a:r>
-              <a:rPr lang="en-US" sz="3800" kern="1200">
-                <a:solidFill>
-                  <a:srgbClr val="FFFFFF"/>
-                </a:solidFill>
-                <a:latin typeface="+mj-lt"/>
-                <a:ea typeface="+mj-ea"/>
-                <a:cs typeface="+mj-cs"/>
-              </a:rPr>
-              <a:t>Parametros (parameters.js)</a:t>
-            </a:r>
-          </a:p>
-        </p:txBody>
-      </p:sp>
+      </p:cxnSp>
       <p:pic>
         <p:nvPicPr>
-          <p:cNvPr id="6" name="Picture 5">
-            <a:extLst>
-              <a:ext uri="{FF2B5EF4-FFF2-40B4-BE49-F238E27FC236}">
-                <a16:creationId xmlns:a16="http://schemas.microsoft.com/office/drawing/2014/main" id="{C1AED333-9B82-44AA-9880-A0729B3A9B46}"/>
+          <p:cNvPr id="3" name="Picture 2">
+            <a:extLst>
+              <a:ext uri="{FF2B5EF4-FFF2-40B4-BE49-F238E27FC236}">
+                <a16:creationId xmlns:a16="http://schemas.microsoft.com/office/drawing/2014/main" id="{66F80FB0-DCF2-42B4-8C94-ED6FF6BAD5D1}"/>
               </a:ext>
             </a:extLst>
           </p:cNvPr>
@@ -4357,8 +4256,68 @@
         </p:blipFill>
         <p:spPr>
           <a:xfrm>
-            <a:off x="1125247" y="643467"/>
-            <a:ext cx="5310736" cy="5571066"/>
+            <a:off x="716593" y="2491795"/>
+            <a:ext cx="4571413" cy="857143"/>
+          </a:xfrm>
+          <a:prstGeom prst="rect">
+            <a:avLst/>
+          </a:prstGeom>
+        </p:spPr>
+      </p:pic>
+      <p:pic>
+        <p:nvPicPr>
+          <p:cNvPr id="4" name="Picture 3">
+            <a:extLst>
+              <a:ext uri="{FF2B5EF4-FFF2-40B4-BE49-F238E27FC236}">
+                <a16:creationId xmlns:a16="http://schemas.microsoft.com/office/drawing/2014/main" id="{B5F3C095-95C3-47A3-ACE2-C8BDDADC030E}"/>
+              </a:ext>
+            </a:extLst>
+          </p:cNvPr>
+          <p:cNvPicPr>
+            <a:picLocks noChangeAspect="1"/>
+          </p:cNvPicPr>
+          <p:nvPr/>
+        </p:nvPicPr>
+        <p:blipFill>
+          <a:blip r:embed="rId3"/>
+          <a:stretch>
+            <a:fillRect/>
+          </a:stretch>
+        </p:blipFill>
+        <p:spPr>
+          <a:xfrm>
+            <a:off x="716594" y="3262384"/>
+            <a:ext cx="4571429" cy="3066667"/>
+          </a:xfrm>
+          <a:prstGeom prst="rect">
+            <a:avLst/>
+          </a:prstGeom>
+        </p:spPr>
+      </p:pic>
+      <p:pic>
+        <p:nvPicPr>
+          <p:cNvPr id="8" name="Picture 7">
+            <a:extLst>
+              <a:ext uri="{FF2B5EF4-FFF2-40B4-BE49-F238E27FC236}">
+                <a16:creationId xmlns:a16="http://schemas.microsoft.com/office/drawing/2014/main" id="{49DBBD73-2FDF-42F2-BD93-2B1C0ABEF463}"/>
+              </a:ext>
+            </a:extLst>
+          </p:cNvPr>
+          <p:cNvPicPr>
+            <a:picLocks noChangeAspect="1"/>
+          </p:cNvPicPr>
+          <p:nvPr/>
+        </p:nvPicPr>
+        <p:blipFill>
+          <a:blip r:embed="rId4"/>
+          <a:stretch>
+            <a:fillRect/>
+          </a:stretch>
+        </p:blipFill>
+        <p:spPr>
+          <a:xfrm>
+            <a:off x="6294953" y="2367911"/>
+            <a:ext cx="5780952" cy="3980952"/>
           </a:xfrm>
           <a:prstGeom prst="rect">
             <a:avLst/>
@@ -4368,7 +4327,7 @@
     </p:spTree>
     <p:extLst>
       <p:ext uri="{BB962C8B-B14F-4D97-AF65-F5344CB8AC3E}">
-        <p14:creationId xmlns:p14="http://schemas.microsoft.com/office/powerpoint/2010/main" val="3236795068"/>
+        <p14:creationId xmlns:p14="http://schemas.microsoft.com/office/powerpoint/2010/main" val="746920220"/>
       </p:ext>
     </p:extLst>
   </p:cSld>
@@ -15260,10 +15219,10 @@
       </p:grpSpPr>
       <p:sp>
         <p:nvSpPr>
-          <p:cNvPr id="9" name="Rectangle 8">
-            <a:extLst>
-              <a:ext uri="{FF2B5EF4-FFF2-40B4-BE49-F238E27FC236}">
-                <a16:creationId xmlns:a16="http://schemas.microsoft.com/office/drawing/2014/main" id="{823AC064-BC96-4F32-8AE1-B2FD38754823}"/>
+          <p:cNvPr id="16" name="Rectangle 10">
+            <a:extLst>
+              <a:ext uri="{FF2B5EF4-FFF2-40B4-BE49-F238E27FC236}">
+                <a16:creationId xmlns:a16="http://schemas.microsoft.com/office/drawing/2014/main" id="{605494DE-B078-4D87-BB01-C84320618DAD}"/>
               </a:ext>
               <a:ext uri="{C183D7F6-B498-43B3-948B-1728B52AA6E4}">
                 <adec:decorative xmlns:adec="http://schemas.microsoft.com/office/drawing/2017/decorative" val="1"/>
@@ -15281,21 +15240,19 @@
             </p:extLst>
           </p:nvPr>
         </p:nvSpPr>
-        <p:spPr bwMode="ltGray">
-          <a:xfrm>
-            <a:off x="378068" y="343486"/>
-            <a:ext cx="11438793" cy="1844256"/>
+        <p:spPr>
+          <a:xfrm>
+            <a:off x="0" y="-3324"/>
+            <a:ext cx="12192000" cy="6858000"/>
           </a:xfrm>
           <a:prstGeom prst="rect">
             <a:avLst/>
           </a:prstGeom>
           <a:solidFill>
-            <a:srgbClr val="404040"/>
+            <a:srgbClr val="FFFFFF"/>
           </a:solidFill>
-          <a:ln w="127000" cap="sq" cmpd="thinThick">
-            <a:solidFill>
-              <a:srgbClr val="404040"/>
-            </a:solidFill>
+          <a:ln>
+            <a:noFill/>
           </a:ln>
         </p:spPr>
         <p:style>
@@ -15318,37 +15275,183 @@
           <a:bodyPr rtlCol="0" anchor="ctr"/>
           <a:lstStyle/>
           <a:p>
-            <a:pPr marL="0" marR="0" lvl="0" indent="0" algn="ctr" defTabSz="914400" rtl="0" eaLnBrk="1" fontAlgn="auto" latinLnBrk="0" hangingPunct="1">
-              <a:lnSpc>
-                <a:spcPct val="100000"/>
-              </a:lnSpc>
-              <a:spcBef>
-                <a:spcPts val="0"/>
-              </a:spcBef>
-              <a:spcAft>
-                <a:spcPts val="0"/>
-              </a:spcAft>
-              <a:buClrTx/>
-              <a:buSzTx/>
-              <a:buFontTx/>
-              <a:buNone/>
-              <a:tabLst/>
-              <a:defRPr/>
-            </a:pPr>
-            <a:endParaRPr kumimoji="0" lang="en-US" sz="1800" b="0" i="0" u="none" strike="noStrike" kern="1200" cap="none" spc="0" normalizeH="0" baseline="0" noProof="0">
-              <a:ln>
-                <a:noFill/>
-              </a:ln>
-              <a:solidFill>
-                <a:prstClr val="white"/>
-              </a:solidFill>
-              <a:effectLst/>
-              <a:uLnTx/>
-              <a:uFillTx/>
-              <a:latin typeface="Calibri" panose="020F0502020204030204"/>
-              <a:ea typeface="+mn-ea"/>
-              <a:cs typeface="+mn-cs"/>
-            </a:endParaRPr>
+            <a:pPr algn="ctr"/>
+            <a:endParaRPr lang="en-US"/>
+          </a:p>
+        </p:txBody>
+      </p:sp>
+      <p:sp>
+        <p:nvSpPr>
+          <p:cNvPr id="17" name="Rectangle 12">
+            <a:extLst>
+              <a:ext uri="{FF2B5EF4-FFF2-40B4-BE49-F238E27FC236}">
+                <a16:creationId xmlns:a16="http://schemas.microsoft.com/office/drawing/2014/main" id="{9A0576B0-CD8C-4661-95C8-A9F2CE7CDDB0}"/>
+              </a:ext>
+              <a:ext uri="{C183D7F6-B498-43B3-948B-1728B52AA6E4}">
+                <adec:decorative xmlns:adec="http://schemas.microsoft.com/office/drawing/2017/decorative" val="1"/>
+              </a:ext>
+            </a:extLst>
+          </p:cNvPr>
+          <p:cNvSpPr>
+            <a:spLocks noGrp="1" noRot="1" noChangeAspect="1" noMove="1" noResize="1" noEditPoints="1" noAdjustHandles="1" noChangeArrowheads="1" noChangeShapeType="1" noTextEdit="1"/>
+          </p:cNvSpPr>
+          <p:nvPr>
+            <p:extLst>
+              <p:ext uri="{386F3935-93C4-4BCD-93E2-E3B085C9AB24}">
+                <p16:designElem xmlns:p16="http://schemas.microsoft.com/office/powerpoint/2015/main" val="1"/>
+              </p:ext>
+            </p:extLst>
+          </p:nvPr>
+        </p:nvSpPr>
+        <p:spPr>
+          <a:xfrm>
+            <a:off x="7467712" y="-3324"/>
+            <a:ext cx="4724288" cy="6861324"/>
+          </a:xfrm>
+          <a:prstGeom prst="rect">
+            <a:avLst/>
+          </a:prstGeom>
+          <a:solidFill>
+            <a:srgbClr val="000000">
+              <a:alpha val="80392"/>
+            </a:srgbClr>
+          </a:solidFill>
+          <a:ln>
+            <a:noFill/>
+          </a:ln>
+        </p:spPr>
+        <p:style>
+          <a:lnRef idx="2">
+            <a:schemeClr val="accent1">
+              <a:shade val="50000"/>
+            </a:schemeClr>
+          </a:lnRef>
+          <a:fillRef idx="1">
+            <a:schemeClr val="accent1"/>
+          </a:fillRef>
+          <a:effectRef idx="0">
+            <a:schemeClr val="accent1"/>
+          </a:effectRef>
+          <a:fontRef idx="minor">
+            <a:schemeClr val="lt1"/>
+          </a:fontRef>
+        </p:style>
+        <p:txBody>
+          <a:bodyPr rtlCol="0" anchor="ctr"/>
+          <a:lstStyle/>
+          <a:p>
+            <a:pPr algn="ctr"/>
+            <a:endParaRPr lang="en-US"/>
+          </a:p>
+        </p:txBody>
+      </p:sp>
+      <p:sp>
+        <p:nvSpPr>
+          <p:cNvPr id="15" name="Freeform: Shape 14">
+            <a:extLst>
+              <a:ext uri="{FF2B5EF4-FFF2-40B4-BE49-F238E27FC236}">
+                <a16:creationId xmlns:a16="http://schemas.microsoft.com/office/drawing/2014/main" id="{3FF60E2B-3919-423C-B1FF-56CDE6681165}"/>
+              </a:ext>
+              <a:ext uri="{C183D7F6-B498-43B3-948B-1728B52AA6E4}">
+                <adec:decorative xmlns:adec="http://schemas.microsoft.com/office/drawing/2017/decorative" val="1"/>
+              </a:ext>
+            </a:extLst>
+          </p:cNvPr>
+          <p:cNvSpPr>
+            <a:spLocks noGrp="1" noRot="1" noChangeAspect="1" noMove="1" noResize="1" noEditPoints="1" noAdjustHandles="1" noChangeArrowheads="1" noChangeShapeType="1" noTextEdit="1"/>
+          </p:cNvSpPr>
+          <p:nvPr>
+            <p:extLst>
+              <p:ext uri="{386F3935-93C4-4BCD-93E2-E3B085C9AB24}">
+                <p16:designElem xmlns:p16="http://schemas.microsoft.com/office/powerpoint/2015/main" val="1"/>
+              </p:ext>
+            </p:extLst>
+          </p:nvPr>
+        </p:nvSpPr>
+        <p:spPr>
+          <a:xfrm>
+            <a:off x="7467712" y="0"/>
+            <a:ext cx="4319042" cy="6858000"/>
+          </a:xfrm>
+          <a:custGeom>
+            <a:avLst/>
+            <a:gdLst>
+              <a:gd name="connsiteX0" fmla="*/ 0 w 4319042"/>
+              <a:gd name="connsiteY0" fmla="*/ 0 h 6858000"/>
+              <a:gd name="connsiteX1" fmla="*/ 1142888 w 4319042"/>
+              <a:gd name="connsiteY1" fmla="*/ 0 h 6858000"/>
+              <a:gd name="connsiteX2" fmla="*/ 4319042 w 4319042"/>
+              <a:gd name="connsiteY2" fmla="*/ 6858000 h 6858000"/>
+              <a:gd name="connsiteX3" fmla="*/ 0 w 4319042"/>
+              <a:gd name="connsiteY3" fmla="*/ 6858000 h 6858000"/>
+            </a:gdLst>
+            <a:ahLst/>
+            <a:cxnLst>
+              <a:cxn ang="0">
+                <a:pos x="connsiteX0" y="connsiteY0"/>
+              </a:cxn>
+              <a:cxn ang="0">
+                <a:pos x="connsiteX1" y="connsiteY1"/>
+              </a:cxn>
+              <a:cxn ang="0">
+                <a:pos x="connsiteX2" y="connsiteY2"/>
+              </a:cxn>
+              <a:cxn ang="0">
+                <a:pos x="connsiteX3" y="connsiteY3"/>
+              </a:cxn>
+            </a:cxnLst>
+            <a:rect l="l" t="t" r="r" b="b"/>
+            <a:pathLst>
+              <a:path w="4319042" h="6858000">
+                <a:moveTo>
+                  <a:pt x="0" y="0"/>
+                </a:moveTo>
+                <a:lnTo>
+                  <a:pt x="1142888" y="0"/>
+                </a:lnTo>
+                <a:lnTo>
+                  <a:pt x="4319042" y="6858000"/>
+                </a:lnTo>
+                <a:lnTo>
+                  <a:pt x="0" y="6858000"/>
+                </a:lnTo>
+                <a:close/>
+              </a:path>
+            </a:pathLst>
+          </a:custGeom>
+          <a:solidFill>
+            <a:srgbClr val="000000">
+              <a:alpha val="34902"/>
+            </a:srgbClr>
+          </a:solidFill>
+          <a:ln>
+            <a:noFill/>
+          </a:ln>
+        </p:spPr>
+        <p:style>
+          <a:lnRef idx="2">
+            <a:schemeClr val="accent1">
+              <a:shade val="50000"/>
+            </a:schemeClr>
+          </a:lnRef>
+          <a:fillRef idx="1">
+            <a:schemeClr val="accent1"/>
+          </a:fillRef>
+          <a:effectRef idx="0">
+            <a:schemeClr val="accent1"/>
+          </a:effectRef>
+          <a:fontRef idx="minor">
+            <a:schemeClr val="lt1"/>
+          </a:fontRef>
+        </p:style>
+        <p:txBody>
+          <a:bodyPr wrap="square" rtlCol="0" anchor="ctr">
+            <a:noAutofit/>
+          </a:bodyPr>
+          <a:lstStyle/>
+          <a:p>
+            <a:pPr algn="ctr"/>
+            <a:endParaRPr lang="en-US"/>
           </a:p>
         </p:txBody>
       </p:sp>
@@ -15357,7 +15460,7 @@
           <p:cNvPr id="2" name="Title 1">
             <a:extLst>
               <a:ext uri="{FF2B5EF4-FFF2-40B4-BE49-F238E27FC236}">
-                <a16:creationId xmlns:a16="http://schemas.microsoft.com/office/drawing/2014/main" id="{EFDAFFBC-CFE8-4730-854D-BD914DECD6E9}"/>
+                <a16:creationId xmlns:a16="http://schemas.microsoft.com/office/drawing/2014/main" id="{A750C6EF-BC9B-4344-93DD-1E4582C9028D}"/>
               </a:ext>
             </a:extLst>
           </p:cNvPr>
@@ -15370,8 +15473,8 @@
         </p:nvSpPr>
         <p:spPr>
           <a:xfrm>
-            <a:off x="526073" y="466578"/>
-            <a:ext cx="11139854" cy="930447"/>
+            <a:off x="8222550" y="1122363"/>
+            <a:ext cx="3308130" cy="2387600"/>
           </a:xfrm>
         </p:spPr>
         <p:txBody>
@@ -15380,9 +15483,8 @@
           </a:bodyPr>
           <a:lstStyle/>
           <a:p>
-            <a:pPr algn="ctr"/>
-            <a:r>
-              <a:rPr lang="en-US" sz="5400" kern="1200" dirty="0" err="1">
+            <a:r>
+              <a:rPr lang="en-US" sz="3800" kern="1200">
                 <a:solidFill>
                   <a:srgbClr val="FFFFFF"/>
                 </a:solidFill>
@@ -15390,89 +15492,24 @@
                 <a:ea typeface="+mj-ea"/>
                 <a:cs typeface="+mj-cs"/>
               </a:rPr>
-              <a:t>Errores</a:t>
-            </a:r>
-            <a:r>
-              <a:rPr lang="en-US" sz="5400" kern="1200" dirty="0">
-                <a:solidFill>
-                  <a:srgbClr val="FFFFFF"/>
-                </a:solidFill>
-                <a:latin typeface="+mj-lt"/>
-                <a:ea typeface="+mj-ea"/>
-                <a:cs typeface="+mj-cs"/>
-              </a:rPr>
-              <a:t> (behavior-error.js)</a:t>
+              <a:t>Parametros (parameters.js)</a:t>
             </a:r>
           </a:p>
         </p:txBody>
       </p:sp>
-      <p:cxnSp>
-        <p:nvCxnSpPr>
-          <p:cNvPr id="11" name="Straight Connector 10">
-            <a:extLst>
-              <a:ext uri="{FF2B5EF4-FFF2-40B4-BE49-F238E27FC236}">
-                <a16:creationId xmlns:a16="http://schemas.microsoft.com/office/drawing/2014/main" id="{7E7C77BC-7138-40B1-A15B-20F57A494629}"/>
-              </a:ext>
-              <a:ext uri="{C183D7F6-B498-43B3-948B-1728B52AA6E4}">
-                <adec:decorative xmlns:adec="http://schemas.microsoft.com/office/drawing/2017/decorative" val="1"/>
-              </a:ext>
-            </a:extLst>
-          </p:cNvPr>
-          <p:cNvCxnSpPr>
-            <a:cxnSpLocks noGrp="1" noRot="1" noChangeAspect="1" noMove="1" noResize="1" noEditPoints="1" noAdjustHandles="1" noChangeArrowheads="1" noChangeShapeType="1"/>
-          </p:cNvCxnSpPr>
-          <p:nvPr>
-            <p:extLst>
-              <p:ext uri="{386F3935-93C4-4BCD-93E2-E3B085C9AB24}">
-                <p16:designElem xmlns:p16="http://schemas.microsoft.com/office/powerpoint/2015/main" val="1"/>
-              </p:ext>
-            </p:extLst>
-          </p:nvPr>
-        </p:nvCxnSpPr>
-        <p:spPr>
-          <a:xfrm>
-            <a:off x="2209800" y="1448631"/>
-            <a:ext cx="7772400" cy="0"/>
-          </a:xfrm>
-          <a:prstGeom prst="line">
-            <a:avLst/>
-          </a:prstGeom>
-          <a:ln w="22225">
-            <a:solidFill>
-              <a:srgbClr val="D9D9D9"/>
-            </a:solidFill>
-          </a:ln>
-        </p:spPr>
-        <p:style>
-          <a:lnRef idx="1">
-            <a:schemeClr val="accent1"/>
-          </a:lnRef>
-          <a:fillRef idx="0">
-            <a:schemeClr val="accent1"/>
-          </a:fillRef>
-          <a:effectRef idx="0">
-            <a:schemeClr val="accent1"/>
-          </a:effectRef>
-          <a:fontRef idx="minor">
-            <a:schemeClr val="tx1"/>
-          </a:fontRef>
-        </p:style>
-      </p:cxnSp>
       <p:pic>
         <p:nvPicPr>
-          <p:cNvPr id="4" name="Content Placeholder 3">
-            <a:extLst>
-              <a:ext uri="{FF2B5EF4-FFF2-40B4-BE49-F238E27FC236}">
-                <a16:creationId xmlns:a16="http://schemas.microsoft.com/office/drawing/2014/main" id="{4B6A87F2-DB36-4C1E-8253-C6A51478F3C7}"/>
+          <p:cNvPr id="6" name="Picture 5">
+            <a:extLst>
+              <a:ext uri="{FF2B5EF4-FFF2-40B4-BE49-F238E27FC236}">
+                <a16:creationId xmlns:a16="http://schemas.microsoft.com/office/drawing/2014/main" id="{C1AED333-9B82-44AA-9880-A0729B3A9B46}"/>
               </a:ext>
             </a:extLst>
           </p:cNvPr>
           <p:cNvPicPr>
-            <a:picLocks noGrp="1" noChangeAspect="1"/>
+            <a:picLocks noChangeAspect="1"/>
           </p:cNvPicPr>
-          <p:nvPr>
-            <p:ph idx="1"/>
-          </p:nvPr>
+          <p:nvPr/>
         </p:nvPicPr>
         <p:blipFill>
           <a:blip r:embed="rId2"/>
@@ -15482,8 +15519,8 @@
         </p:blipFill>
         <p:spPr>
           <a:xfrm>
-            <a:off x="320040" y="2525529"/>
-            <a:ext cx="11496821" cy="3966401"/>
+            <a:off x="1125247" y="643467"/>
+            <a:ext cx="5310736" cy="5571066"/>
           </a:xfrm>
           <a:prstGeom prst="rect">
             <a:avLst/>
@@ -15493,7 +15530,7 @@
     </p:spTree>
     <p:extLst>
       <p:ext uri="{BB962C8B-B14F-4D97-AF65-F5344CB8AC3E}">
-        <p14:creationId xmlns:p14="http://schemas.microsoft.com/office/powerpoint/2010/main" val="1577870191"/>
+        <p14:creationId xmlns:p14="http://schemas.microsoft.com/office/powerpoint/2010/main" val="3236795068"/>
       </p:ext>
     </p:extLst>
   </p:cSld>
@@ -15530,7 +15567,7 @@
       </p:grpSpPr>
       <p:sp>
         <p:nvSpPr>
-          <p:cNvPr id="16" name="Rectangle 15">
+          <p:cNvPr id="9" name="Rectangle 8">
             <a:extLst>
               <a:ext uri="{FF2B5EF4-FFF2-40B4-BE49-F238E27FC236}">
                 <a16:creationId xmlns:a16="http://schemas.microsoft.com/office/drawing/2014/main" id="{823AC064-BC96-4F32-8AE1-B2FD38754823}"/>
@@ -15553,7 +15590,7 @@
         </p:nvSpPr>
         <p:spPr bwMode="ltGray">
           <a:xfrm>
-            <a:off x="396882" y="280374"/>
+            <a:off x="378068" y="343486"/>
             <a:ext cx="11438793" cy="1844256"/>
           </a:xfrm>
           <a:prstGeom prst="rect">
@@ -15588,8 +15625,37 @@
           <a:bodyPr rtlCol="0" anchor="ctr"/>
           <a:lstStyle/>
           <a:p>
-            <a:pPr algn="ctr"/>
-            <a:endParaRPr lang="en-US"/>
+            <a:pPr marL="0" marR="0" lvl="0" indent="0" algn="ctr" defTabSz="914400" rtl="0" eaLnBrk="1" fontAlgn="auto" latinLnBrk="0" hangingPunct="1">
+              <a:lnSpc>
+                <a:spcPct val="100000"/>
+              </a:lnSpc>
+              <a:spcBef>
+                <a:spcPts val="0"/>
+              </a:spcBef>
+              <a:spcAft>
+                <a:spcPts val="0"/>
+              </a:spcAft>
+              <a:buClrTx/>
+              <a:buSzTx/>
+              <a:buFontTx/>
+              <a:buNone/>
+              <a:tabLst/>
+              <a:defRPr/>
+            </a:pPr>
+            <a:endParaRPr kumimoji="0" lang="en-US" sz="1800" b="0" i="0" u="none" strike="noStrike" kern="1200" cap="none" spc="0" normalizeH="0" baseline="0" noProof="0">
+              <a:ln>
+                <a:noFill/>
+              </a:ln>
+              <a:solidFill>
+                <a:prstClr val="white"/>
+              </a:solidFill>
+              <a:effectLst/>
+              <a:uLnTx/>
+              <a:uFillTx/>
+              <a:latin typeface="Calibri" panose="020F0502020204030204"/>
+              <a:ea typeface="+mn-ea"/>
+              <a:cs typeface="+mn-cs"/>
+            </a:endParaRPr>
           </a:p>
         </p:txBody>
       </p:sp>
@@ -15611,7 +15677,7 @@
         </p:nvSpPr>
         <p:spPr>
           <a:xfrm>
-            <a:off x="546351" y="433545"/>
+            <a:off x="526073" y="466578"/>
             <a:ext cx="11139854" cy="930447"/>
           </a:xfrm>
         </p:spPr>
@@ -15623,19 +15689,33 @@
           <a:p>
             <a:pPr algn="ctr"/>
             <a:r>
-              <a:rPr lang="en-US" sz="5400">
+              <a:rPr lang="en-US" sz="5400" kern="1200" dirty="0" err="1">
                 <a:solidFill>
                   <a:srgbClr val="FFFFFF"/>
                 </a:solidFill>
+                <a:latin typeface="+mj-lt"/>
+                <a:ea typeface="+mj-ea"/>
+                <a:cs typeface="+mj-cs"/>
               </a:rPr>
-              <a:t>Mensajes de Error (behavior-error.js)</a:t>
+              <a:t>Errores</a:t>
+            </a:r>
+            <a:r>
+              <a:rPr lang="en-US" sz="5400" kern="1200" dirty="0">
+                <a:solidFill>
+                  <a:srgbClr val="FFFFFF"/>
+                </a:solidFill>
+                <a:latin typeface="+mj-lt"/>
+                <a:ea typeface="+mj-ea"/>
+                <a:cs typeface="+mj-cs"/>
+              </a:rPr>
+              <a:t> (behavior-error.js)</a:t>
             </a:r>
           </a:p>
         </p:txBody>
       </p:sp>
       <p:cxnSp>
         <p:nvCxnSpPr>
-          <p:cNvPr id="18" name="Straight Connector 17">
+          <p:cNvPr id="11" name="Straight Connector 10">
             <a:extLst>
               <a:ext uri="{FF2B5EF4-FFF2-40B4-BE49-F238E27FC236}">
                 <a16:creationId xmlns:a16="http://schemas.microsoft.com/office/drawing/2014/main" id="{7E7C77BC-7138-40B1-A15B-20F57A494629}"/>
@@ -15658,7 +15738,7 @@
         </p:nvCxnSpPr>
         <p:spPr>
           <a:xfrm>
-            <a:off x="2230078" y="1522292"/>
+            <a:off x="2209800" y="1448631"/>
             <a:ext cx="7772400" cy="0"/>
           </a:xfrm>
           <a:prstGeom prst="line">
@@ -15687,17 +15767,19 @@
       </p:cxnSp>
       <p:pic>
         <p:nvPicPr>
-          <p:cNvPr id="7" name="Picture 6">
-            <a:extLst>
-              <a:ext uri="{FF2B5EF4-FFF2-40B4-BE49-F238E27FC236}">
-                <a16:creationId xmlns:a16="http://schemas.microsoft.com/office/drawing/2014/main" id="{482EF570-5F8B-4D3C-A94A-D2E7DA4213F1}"/>
+          <p:cNvPr id="4" name="Content Placeholder 3">
+            <a:extLst>
+              <a:ext uri="{FF2B5EF4-FFF2-40B4-BE49-F238E27FC236}">
+                <a16:creationId xmlns:a16="http://schemas.microsoft.com/office/drawing/2014/main" id="{4B6A87F2-DB36-4C1E-8253-C6A51478F3C7}"/>
               </a:ext>
             </a:extLst>
           </p:cNvPr>
           <p:cNvPicPr>
-            <a:picLocks noChangeAspect="1"/>
+            <a:picLocks noGrp="1" noChangeAspect="1"/>
           </p:cNvPicPr>
-          <p:nvPr/>
+          <p:nvPr>
+            <p:ph idx="1"/>
+          </p:nvPr>
         </p:nvPicPr>
         <p:blipFill>
           <a:blip r:embed="rId2"/>
@@ -15707,90 +15789,8 @@
         </p:blipFill>
         <p:spPr>
           <a:xfrm>
-            <a:off x="6379758" y="3112422"/>
-            <a:ext cx="5455917" cy="2223286"/>
-          </a:xfrm>
-          <a:prstGeom prst="rect">
-            <a:avLst/>
-          </a:prstGeom>
-        </p:spPr>
-      </p:pic>
-      <p:cxnSp>
-        <p:nvCxnSpPr>
-          <p:cNvPr id="20" name="Straight Connector 19">
-            <a:extLst>
-              <a:ext uri="{FF2B5EF4-FFF2-40B4-BE49-F238E27FC236}">
-                <a16:creationId xmlns:a16="http://schemas.microsoft.com/office/drawing/2014/main" id="{DB146403-F3D6-484B-B2ED-97F9565D0370}"/>
-              </a:ext>
-              <a:ext uri="{C183D7F6-B498-43B3-948B-1728B52AA6E4}">
-                <adec:decorative xmlns:adec="http://schemas.microsoft.com/office/drawing/2017/decorative" val="1"/>
-              </a:ext>
-            </a:extLst>
-          </p:cNvPr>
-          <p:cNvCxnSpPr>
-            <a:cxnSpLocks noGrp="1" noRot="1" noChangeAspect="1" noMove="1" noResize="1" noEditPoints="1" noAdjustHandles="1" noChangeArrowheads="1" noChangeShapeType="1"/>
-          </p:cNvCxnSpPr>
-          <p:nvPr>
-            <p:extLst>
-              <p:ext uri="{386F3935-93C4-4BCD-93E2-E3B085C9AB24}">
-                <p16:designElem xmlns:p16="http://schemas.microsoft.com/office/powerpoint/2015/main" val="1"/>
-              </p:ext>
-            </p:extLst>
-          </p:nvPr>
-        </p:nvCxnSpPr>
-        <p:spPr>
-          <a:xfrm>
-            <a:off x="6116278" y="2596836"/>
-            <a:ext cx="0" cy="3657600"/>
-          </a:xfrm>
-          <a:prstGeom prst="line">
-            <a:avLst/>
-          </a:prstGeom>
-          <a:ln w="101600" cmpd="dbl">
-            <a:solidFill>
-              <a:srgbClr val="595959"/>
-            </a:solidFill>
-          </a:ln>
-        </p:spPr>
-        <p:style>
-          <a:lnRef idx="1">
-            <a:schemeClr val="accent1"/>
-          </a:lnRef>
-          <a:fillRef idx="0">
-            <a:schemeClr val="accent1"/>
-          </a:fillRef>
-          <a:effectRef idx="0">
-            <a:schemeClr val="accent1"/>
-          </a:effectRef>
-          <a:fontRef idx="minor">
-            <a:schemeClr val="tx1"/>
-          </a:fontRef>
-        </p:style>
-      </p:cxnSp>
-      <p:pic>
-        <p:nvPicPr>
-          <p:cNvPr id="6" name="Picture 5">
-            <a:extLst>
-              <a:ext uri="{FF2B5EF4-FFF2-40B4-BE49-F238E27FC236}">
-                <a16:creationId xmlns:a16="http://schemas.microsoft.com/office/drawing/2014/main" id="{79209ACA-0195-4821-A70D-DBE27F23A941}"/>
-              </a:ext>
-            </a:extLst>
-          </p:cNvPr>
-          <p:cNvPicPr>
-            <a:picLocks noChangeAspect="1"/>
-          </p:cNvPicPr>
-          <p:nvPr/>
-        </p:nvPicPr>
-        <p:blipFill>
-          <a:blip r:embed="rId3"/>
-          <a:stretch>
-            <a:fillRect/>
-          </a:stretch>
-        </p:blipFill>
-        <p:spPr>
-          <a:xfrm>
-            <a:off x="356325" y="3385217"/>
-            <a:ext cx="5455917" cy="1677695"/>
+            <a:off x="320040" y="2525529"/>
+            <a:ext cx="11496821" cy="3966401"/>
           </a:xfrm>
           <a:prstGeom prst="rect">
             <a:avLst/>
@@ -15800,7 +15800,7 @@
     </p:spTree>
     <p:extLst>
       <p:ext uri="{BB962C8B-B14F-4D97-AF65-F5344CB8AC3E}">
-        <p14:creationId xmlns:p14="http://schemas.microsoft.com/office/powerpoint/2010/main" val="2608671324"/>
+        <p14:creationId xmlns:p14="http://schemas.microsoft.com/office/powerpoint/2010/main" val="1577870191"/>
       </p:ext>
     </p:extLst>
   </p:cSld>

--- a/PPTs/1. Banca Móvil Capacitación.pptx
+++ b/PPTs/1. Banca Móvil Capacitación.pptx
@@ -303,7 +303,7 @@
           <a:p>
             <a:fld id="{6BBFDD6B-F337-42A8-9410-06192D8D1986}" type="datetimeFigureOut">
               <a:rPr lang="es-EC" smtClean="0"/>
-              <a:t>2021-10-27</a:t>
+              <a:t>2021-10-28</a:t>
             </a:fld>
             <a:endParaRPr lang="es-EC"/>
           </a:p>
@@ -503,7 +503,7 @@
           <a:p>
             <a:fld id="{6BBFDD6B-F337-42A8-9410-06192D8D1986}" type="datetimeFigureOut">
               <a:rPr lang="es-EC" smtClean="0"/>
-              <a:t>2021-10-27</a:t>
+              <a:t>2021-10-28</a:t>
             </a:fld>
             <a:endParaRPr lang="es-EC"/>
           </a:p>
@@ -713,7 +713,7 @@
           <a:p>
             <a:fld id="{6BBFDD6B-F337-42A8-9410-06192D8D1986}" type="datetimeFigureOut">
               <a:rPr lang="es-EC" smtClean="0"/>
-              <a:t>2021-10-27</a:t>
+              <a:t>2021-10-28</a:t>
             </a:fld>
             <a:endParaRPr lang="es-EC"/>
           </a:p>
@@ -913,7 +913,7 @@
           <a:p>
             <a:fld id="{6BBFDD6B-F337-42A8-9410-06192D8D1986}" type="datetimeFigureOut">
               <a:rPr lang="es-EC" smtClean="0"/>
-              <a:t>2021-10-27</a:t>
+              <a:t>2021-10-28</a:t>
             </a:fld>
             <a:endParaRPr lang="es-EC"/>
           </a:p>
@@ -1189,7 +1189,7 @@
           <a:p>
             <a:fld id="{6BBFDD6B-F337-42A8-9410-06192D8D1986}" type="datetimeFigureOut">
               <a:rPr lang="es-EC" smtClean="0"/>
-              <a:t>2021-10-27</a:t>
+              <a:t>2021-10-28</a:t>
             </a:fld>
             <a:endParaRPr lang="es-EC"/>
           </a:p>
@@ -1457,7 +1457,7 @@
           <a:p>
             <a:fld id="{6BBFDD6B-F337-42A8-9410-06192D8D1986}" type="datetimeFigureOut">
               <a:rPr lang="es-EC" smtClean="0"/>
-              <a:t>2021-10-27</a:t>
+              <a:t>2021-10-28</a:t>
             </a:fld>
             <a:endParaRPr lang="es-EC"/>
           </a:p>
@@ -1872,7 +1872,7 @@
           <a:p>
             <a:fld id="{6BBFDD6B-F337-42A8-9410-06192D8D1986}" type="datetimeFigureOut">
               <a:rPr lang="es-EC" smtClean="0"/>
-              <a:t>2021-10-27</a:t>
+              <a:t>2021-10-28</a:t>
             </a:fld>
             <a:endParaRPr lang="es-EC"/>
           </a:p>
@@ -2014,7 +2014,7 @@
           <a:p>
             <a:fld id="{6BBFDD6B-F337-42A8-9410-06192D8D1986}" type="datetimeFigureOut">
               <a:rPr lang="es-EC" smtClean="0"/>
-              <a:t>2021-10-27</a:t>
+              <a:t>2021-10-28</a:t>
             </a:fld>
             <a:endParaRPr lang="es-EC"/>
           </a:p>
@@ -2127,7 +2127,7 @@
           <a:p>
             <a:fld id="{6BBFDD6B-F337-42A8-9410-06192D8D1986}" type="datetimeFigureOut">
               <a:rPr lang="es-EC" smtClean="0"/>
-              <a:t>2021-10-27</a:t>
+              <a:t>2021-10-28</a:t>
             </a:fld>
             <a:endParaRPr lang="es-EC"/>
           </a:p>
@@ -2440,7 +2440,7 @@
           <a:p>
             <a:fld id="{6BBFDD6B-F337-42A8-9410-06192D8D1986}" type="datetimeFigureOut">
               <a:rPr lang="es-EC" smtClean="0"/>
-              <a:t>2021-10-27</a:t>
+              <a:t>2021-10-28</a:t>
             </a:fld>
             <a:endParaRPr lang="es-EC"/>
           </a:p>
@@ -2729,7 +2729,7 @@
           <a:p>
             <a:fld id="{6BBFDD6B-F337-42A8-9410-06192D8D1986}" type="datetimeFigureOut">
               <a:rPr lang="es-EC" smtClean="0"/>
-              <a:t>2021-10-27</a:t>
+              <a:t>2021-10-28</a:t>
             </a:fld>
             <a:endParaRPr lang="es-EC"/>
           </a:p>
@@ -2972,7 +2972,7 @@
           <a:p>
             <a:fld id="{6BBFDD6B-F337-42A8-9410-06192D8D1986}" type="datetimeFigureOut">
               <a:rPr lang="es-EC" smtClean="0"/>
-              <a:t>2021-10-27</a:t>
+              <a:t>2021-10-28</a:t>
             </a:fld>
             <a:endParaRPr lang="es-EC"/>
           </a:p>

--- a/PPTs/1. Banca Móvil Capacitación.pptx
+++ b/PPTs/1. Banca Móvil Capacitación.pptx
@@ -8,8 +8,8 @@
     <p:sldId id="256" r:id="rId2"/>
     <p:sldId id="258" r:id="rId3"/>
     <p:sldId id="259" r:id="rId4"/>
-    <p:sldId id="263" r:id="rId5"/>
-    <p:sldId id="260" r:id="rId6"/>
+    <p:sldId id="260" r:id="rId5"/>
+    <p:sldId id="263" r:id="rId6"/>
     <p:sldId id="272" r:id="rId7"/>
     <p:sldId id="273" r:id="rId8"/>
     <p:sldId id="278" r:id="rId9"/>
@@ -303,7 +303,7 @@
           <a:p>
             <a:fld id="{6BBFDD6B-F337-42A8-9410-06192D8D1986}" type="datetimeFigureOut">
               <a:rPr lang="es-EC" smtClean="0"/>
-              <a:t>2021-10-28</a:t>
+              <a:t>2021-10-29</a:t>
             </a:fld>
             <a:endParaRPr lang="es-EC"/>
           </a:p>
@@ -503,7 +503,7 @@
           <a:p>
             <a:fld id="{6BBFDD6B-F337-42A8-9410-06192D8D1986}" type="datetimeFigureOut">
               <a:rPr lang="es-EC" smtClean="0"/>
-              <a:t>2021-10-28</a:t>
+              <a:t>2021-10-29</a:t>
             </a:fld>
             <a:endParaRPr lang="es-EC"/>
           </a:p>
@@ -713,7 +713,7 @@
           <a:p>
             <a:fld id="{6BBFDD6B-F337-42A8-9410-06192D8D1986}" type="datetimeFigureOut">
               <a:rPr lang="es-EC" smtClean="0"/>
-              <a:t>2021-10-28</a:t>
+              <a:t>2021-10-29</a:t>
             </a:fld>
             <a:endParaRPr lang="es-EC"/>
           </a:p>
@@ -913,7 +913,7 @@
           <a:p>
             <a:fld id="{6BBFDD6B-F337-42A8-9410-06192D8D1986}" type="datetimeFigureOut">
               <a:rPr lang="es-EC" smtClean="0"/>
-              <a:t>2021-10-28</a:t>
+              <a:t>2021-10-29</a:t>
             </a:fld>
             <a:endParaRPr lang="es-EC"/>
           </a:p>
@@ -1189,7 +1189,7 @@
           <a:p>
             <a:fld id="{6BBFDD6B-F337-42A8-9410-06192D8D1986}" type="datetimeFigureOut">
               <a:rPr lang="es-EC" smtClean="0"/>
-              <a:t>2021-10-28</a:t>
+              <a:t>2021-10-29</a:t>
             </a:fld>
             <a:endParaRPr lang="es-EC"/>
           </a:p>
@@ -1457,7 +1457,7 @@
           <a:p>
             <a:fld id="{6BBFDD6B-F337-42A8-9410-06192D8D1986}" type="datetimeFigureOut">
               <a:rPr lang="es-EC" smtClean="0"/>
-              <a:t>2021-10-28</a:t>
+              <a:t>2021-10-29</a:t>
             </a:fld>
             <a:endParaRPr lang="es-EC"/>
           </a:p>
@@ -1872,7 +1872,7 @@
           <a:p>
             <a:fld id="{6BBFDD6B-F337-42A8-9410-06192D8D1986}" type="datetimeFigureOut">
               <a:rPr lang="es-EC" smtClean="0"/>
-              <a:t>2021-10-28</a:t>
+              <a:t>2021-10-29</a:t>
             </a:fld>
             <a:endParaRPr lang="es-EC"/>
           </a:p>
@@ -2014,7 +2014,7 @@
           <a:p>
             <a:fld id="{6BBFDD6B-F337-42A8-9410-06192D8D1986}" type="datetimeFigureOut">
               <a:rPr lang="es-EC" smtClean="0"/>
-              <a:t>2021-10-28</a:t>
+              <a:t>2021-10-29</a:t>
             </a:fld>
             <a:endParaRPr lang="es-EC"/>
           </a:p>
@@ -2127,7 +2127,7 @@
           <a:p>
             <a:fld id="{6BBFDD6B-F337-42A8-9410-06192D8D1986}" type="datetimeFigureOut">
               <a:rPr lang="es-EC" smtClean="0"/>
-              <a:t>2021-10-28</a:t>
+              <a:t>2021-10-29</a:t>
             </a:fld>
             <a:endParaRPr lang="es-EC"/>
           </a:p>
@@ -2440,7 +2440,7 @@
           <a:p>
             <a:fld id="{6BBFDD6B-F337-42A8-9410-06192D8D1986}" type="datetimeFigureOut">
               <a:rPr lang="es-EC" smtClean="0"/>
-              <a:t>2021-10-28</a:t>
+              <a:t>2021-10-29</a:t>
             </a:fld>
             <a:endParaRPr lang="es-EC"/>
           </a:p>
@@ -2729,7 +2729,7 @@
           <a:p>
             <a:fld id="{6BBFDD6B-F337-42A8-9410-06192D8D1986}" type="datetimeFigureOut">
               <a:rPr lang="es-EC" smtClean="0"/>
-              <a:t>2021-10-28</a:t>
+              <a:t>2021-10-29</a:t>
             </a:fld>
             <a:endParaRPr lang="es-EC"/>
           </a:p>
@@ -2972,7 +2972,7 @@
           <a:p>
             <a:fld id="{6BBFDD6B-F337-42A8-9410-06192D8D1986}" type="datetimeFigureOut">
               <a:rPr lang="es-EC" smtClean="0"/>
-              <a:t>2021-10-28</a:t>
+              <a:t>2021-10-29</a:t>
             </a:fld>
             <a:endParaRPr lang="es-EC"/>
           </a:p>
@@ -12575,10 +12575,10 @@
       </p:grpSpPr>
       <p:sp>
         <p:nvSpPr>
-          <p:cNvPr id="13" name="Rectangle 8">
-            <a:extLst>
-              <a:ext uri="{FF2B5EF4-FFF2-40B4-BE49-F238E27FC236}">
-                <a16:creationId xmlns:a16="http://schemas.microsoft.com/office/drawing/2014/main" id="{AB45A142-4255-493C-8284-5D566C121B10}"/>
+          <p:cNvPr id="9" name="Rectangle 8">
+            <a:extLst>
+              <a:ext uri="{FF2B5EF4-FFF2-40B4-BE49-F238E27FC236}">
+                <a16:creationId xmlns:a16="http://schemas.microsoft.com/office/drawing/2014/main" id="{823AC064-BC96-4F32-8AE1-B2FD38754823}"/>
               </a:ext>
               <a:ext uri="{C183D7F6-B498-43B3-948B-1728B52AA6E4}">
                 <adec:decorative xmlns:adec="http://schemas.microsoft.com/office/drawing/2017/decorative" val="1"/>
@@ -12598,22 +12598,18 @@
         </p:nvSpPr>
         <p:spPr bwMode="ltGray">
           <a:xfrm>
-            <a:off x="336884" y="321177"/>
-            <a:ext cx="4332307" cy="6179552"/>
+            <a:off x="378068" y="343486"/>
+            <a:ext cx="11438793" cy="1844256"/>
           </a:xfrm>
           <a:prstGeom prst="rect">
             <a:avLst/>
           </a:prstGeom>
           <a:solidFill>
-            <a:srgbClr val="404040">
-              <a:alpha val="89804"/>
-            </a:srgbClr>
+            <a:srgbClr val="404040"/>
           </a:solidFill>
           <a:ln w="127000" cap="sq" cmpd="thinThick">
             <a:solidFill>
-              <a:srgbClr val="595959">
-                <a:alpha val="80000"/>
-              </a:srgbClr>
+              <a:srgbClr val="404040"/>
             </a:solidFill>
           </a:ln>
         </p:spPr>
@@ -12637,8 +12633,37 @@
           <a:bodyPr rtlCol="0" anchor="ctr"/>
           <a:lstStyle/>
           <a:p>
-            <a:pPr algn="ctr"/>
-            <a:endParaRPr lang="en-US"/>
+            <a:pPr marL="0" marR="0" lvl="0" indent="0" algn="ctr" defTabSz="914400" rtl="0" eaLnBrk="1" fontAlgn="auto" latinLnBrk="0" hangingPunct="1">
+              <a:lnSpc>
+                <a:spcPct val="100000"/>
+              </a:lnSpc>
+              <a:spcBef>
+                <a:spcPts val="0"/>
+              </a:spcBef>
+              <a:spcAft>
+                <a:spcPts val="0"/>
+              </a:spcAft>
+              <a:buClrTx/>
+              <a:buSzTx/>
+              <a:buFontTx/>
+              <a:buNone/>
+              <a:tabLst/>
+              <a:defRPr/>
+            </a:pPr>
+            <a:endParaRPr kumimoji="0" lang="en-US" sz="1800" b="0" i="0" u="none" strike="noStrike" kern="1200" cap="none" spc="0" normalizeH="0" baseline="0" noProof="0">
+              <a:ln>
+                <a:noFill/>
+              </a:ln>
+              <a:solidFill>
+                <a:prstClr val="white"/>
+              </a:solidFill>
+              <a:effectLst/>
+              <a:uLnTx/>
+              <a:uFillTx/>
+              <a:latin typeface="Calibri" panose="020F0502020204030204"/>
+              <a:ea typeface="+mn-ea"/>
+              <a:cs typeface="+mn-cs"/>
+            </a:endParaRPr>
           </a:p>
         </p:txBody>
       </p:sp>
@@ -12647,7 +12672,7 @@
           <p:cNvPr id="2" name="Title 1">
             <a:extLst>
               <a:ext uri="{FF2B5EF4-FFF2-40B4-BE49-F238E27FC236}">
-                <a16:creationId xmlns:a16="http://schemas.microsoft.com/office/drawing/2014/main" id="{CA2C234E-7F22-4C95-B35A-2278F262EE1C}"/>
+                <a16:creationId xmlns:a16="http://schemas.microsoft.com/office/drawing/2014/main" id="{C0DCA8F7-A7CC-4FD4-B793-24E9151AE80D}"/>
               </a:ext>
             </a:extLst>
           </p:cNvPr>
@@ -12660,8 +12685,8 @@
         </p:nvSpPr>
         <p:spPr>
           <a:xfrm>
-            <a:off x="674237" y="914400"/>
-            <a:ext cx="3657600" cy="2887579"/>
+            <a:off x="526073" y="466578"/>
+            <a:ext cx="11139854" cy="930447"/>
           </a:xfrm>
         </p:spPr>
         <p:txBody>
@@ -12672,7 +12697,7 @@
           <a:p>
             <a:pPr algn="ctr"/>
             <a:r>
-              <a:rPr lang="en-US" sz="4800" kern="1200">
+              <a:rPr lang="en-US" sz="5400" kern="1200" dirty="0" err="1">
                 <a:solidFill>
                   <a:srgbClr val="FFFFFF"/>
                 </a:solidFill>
@@ -12680,17 +12705,25 @@
                 <a:ea typeface="+mj-ea"/>
                 <a:cs typeface="+mj-cs"/>
               </a:rPr>
-              <a:t>Plugins</a:t>
-            </a:r>
+              <a:t>Flujo</a:t>
+            </a:r>
+            <a:endParaRPr lang="en-US" sz="5400" kern="1200" dirty="0">
+              <a:solidFill>
+                <a:srgbClr val="FFFFFF"/>
+              </a:solidFill>
+              <a:latin typeface="+mj-lt"/>
+              <a:ea typeface="+mj-ea"/>
+              <a:cs typeface="+mj-cs"/>
+            </a:endParaRPr>
           </a:p>
         </p:txBody>
       </p:sp>
       <p:cxnSp>
         <p:nvCxnSpPr>
-          <p:cNvPr id="14" name="Straight Connector 10">
-            <a:extLst>
-              <a:ext uri="{FF2B5EF4-FFF2-40B4-BE49-F238E27FC236}">
-                <a16:creationId xmlns:a16="http://schemas.microsoft.com/office/drawing/2014/main" id="{38FB9660-F42F-4313-BBC4-47C007FE484C}"/>
+          <p:cNvPr id="11" name="Straight Connector 10">
+            <a:extLst>
+              <a:ext uri="{FF2B5EF4-FFF2-40B4-BE49-F238E27FC236}">
+                <a16:creationId xmlns:a16="http://schemas.microsoft.com/office/drawing/2014/main" id="{7E7C77BC-7138-40B1-A15B-20F57A494629}"/>
               </a:ext>
               <a:ext uri="{C183D7F6-B498-43B3-948B-1728B52AA6E4}">
                 <adec:decorative xmlns:adec="http://schemas.microsoft.com/office/drawing/2017/decorative" val="1"/>
@@ -12710,8 +12743,8 @@
         </p:nvCxnSpPr>
         <p:spPr>
           <a:xfrm>
-            <a:off x="1191126" y="3910267"/>
-            <a:ext cx="2586790" cy="0"/>
+            <a:off x="2209800" y="1448631"/>
+            <a:ext cx="7772400" cy="0"/>
           </a:xfrm>
           <a:prstGeom prst="line">
             <a:avLst/>
@@ -12739,19 +12772,17 @@
       </p:cxnSp>
       <p:pic>
         <p:nvPicPr>
-          <p:cNvPr id="4" name="Content Placeholder 3">
-            <a:extLst>
-              <a:ext uri="{FF2B5EF4-FFF2-40B4-BE49-F238E27FC236}">
-                <a16:creationId xmlns:a16="http://schemas.microsoft.com/office/drawing/2014/main" id="{7A7F9845-C0DE-4BA1-A2A9-83E5B67F24E1}"/>
+          <p:cNvPr id="4" name="Picture 3">
+            <a:extLst>
+              <a:ext uri="{FF2B5EF4-FFF2-40B4-BE49-F238E27FC236}">
+                <a16:creationId xmlns:a16="http://schemas.microsoft.com/office/drawing/2014/main" id="{F1986709-00B2-4ABE-917E-AF30A0A52FE9}"/>
               </a:ext>
             </a:extLst>
           </p:cNvPr>
           <p:cNvPicPr>
-            <a:picLocks noGrp="1" noChangeAspect="1"/>
+            <a:picLocks noChangeAspect="1"/>
           </p:cNvPicPr>
-          <p:nvPr>
-            <p:ph idx="1"/>
-          </p:nvPr>
+          <p:nvPr/>
         </p:nvPicPr>
         <p:blipFill>
           <a:blip r:embed="rId2"/>
@@ -12761,8 +12792,8 @@
         </p:blipFill>
         <p:spPr>
           <a:xfrm>
-            <a:off x="5153822" y="631330"/>
-            <a:ext cx="6553545" cy="5603281"/>
+            <a:off x="1517765" y="2310835"/>
+            <a:ext cx="9296415" cy="4489994"/>
           </a:xfrm>
           <a:prstGeom prst="rect">
             <a:avLst/>
@@ -12772,7 +12803,7 @@
     </p:spTree>
     <p:extLst>
       <p:ext uri="{BB962C8B-B14F-4D97-AF65-F5344CB8AC3E}">
-        <p14:creationId xmlns:p14="http://schemas.microsoft.com/office/powerpoint/2010/main" val="3728785017"/>
+        <p14:creationId xmlns:p14="http://schemas.microsoft.com/office/powerpoint/2010/main" val="2015106681"/>
       </p:ext>
     </p:extLst>
   </p:cSld>
@@ -13976,10 +14007,10 @@
       </p:grpSpPr>
       <p:sp>
         <p:nvSpPr>
-          <p:cNvPr id="9" name="Rectangle 8">
-            <a:extLst>
-              <a:ext uri="{FF2B5EF4-FFF2-40B4-BE49-F238E27FC236}">
-                <a16:creationId xmlns:a16="http://schemas.microsoft.com/office/drawing/2014/main" id="{823AC064-BC96-4F32-8AE1-B2FD38754823}"/>
+          <p:cNvPr id="13" name="Rectangle 8">
+            <a:extLst>
+              <a:ext uri="{FF2B5EF4-FFF2-40B4-BE49-F238E27FC236}">
+                <a16:creationId xmlns:a16="http://schemas.microsoft.com/office/drawing/2014/main" id="{AB45A142-4255-493C-8284-5D566C121B10}"/>
               </a:ext>
               <a:ext uri="{C183D7F6-B498-43B3-948B-1728B52AA6E4}">
                 <adec:decorative xmlns:adec="http://schemas.microsoft.com/office/drawing/2017/decorative" val="1"/>
@@ -13999,18 +14030,22 @@
         </p:nvSpPr>
         <p:spPr bwMode="ltGray">
           <a:xfrm>
-            <a:off x="378068" y="343486"/>
-            <a:ext cx="11438793" cy="1844256"/>
+            <a:off x="336884" y="321177"/>
+            <a:ext cx="4332307" cy="6179552"/>
           </a:xfrm>
           <a:prstGeom prst="rect">
             <a:avLst/>
           </a:prstGeom>
           <a:solidFill>
-            <a:srgbClr val="404040"/>
+            <a:srgbClr val="404040">
+              <a:alpha val="89804"/>
+            </a:srgbClr>
           </a:solidFill>
           <a:ln w="127000" cap="sq" cmpd="thinThick">
             <a:solidFill>
-              <a:srgbClr val="404040"/>
+              <a:srgbClr val="595959">
+                <a:alpha val="80000"/>
+              </a:srgbClr>
             </a:solidFill>
           </a:ln>
         </p:spPr>
@@ -14034,37 +14069,8 @@
           <a:bodyPr rtlCol="0" anchor="ctr"/>
           <a:lstStyle/>
           <a:p>
-            <a:pPr marL="0" marR="0" lvl="0" indent="0" algn="ctr" defTabSz="914400" rtl="0" eaLnBrk="1" fontAlgn="auto" latinLnBrk="0" hangingPunct="1">
-              <a:lnSpc>
-                <a:spcPct val="100000"/>
-              </a:lnSpc>
-              <a:spcBef>
-                <a:spcPts val="0"/>
-              </a:spcBef>
-              <a:spcAft>
-                <a:spcPts val="0"/>
-              </a:spcAft>
-              <a:buClrTx/>
-              <a:buSzTx/>
-              <a:buFontTx/>
-              <a:buNone/>
-              <a:tabLst/>
-              <a:defRPr/>
-            </a:pPr>
-            <a:endParaRPr kumimoji="0" lang="en-US" sz="1800" b="0" i="0" u="none" strike="noStrike" kern="1200" cap="none" spc="0" normalizeH="0" baseline="0" noProof="0">
-              <a:ln>
-                <a:noFill/>
-              </a:ln>
-              <a:solidFill>
-                <a:prstClr val="white"/>
-              </a:solidFill>
-              <a:effectLst/>
-              <a:uLnTx/>
-              <a:uFillTx/>
-              <a:latin typeface="Calibri" panose="020F0502020204030204"/>
-              <a:ea typeface="+mn-ea"/>
-              <a:cs typeface="+mn-cs"/>
-            </a:endParaRPr>
+            <a:pPr algn="ctr"/>
+            <a:endParaRPr lang="en-US"/>
           </a:p>
         </p:txBody>
       </p:sp>
@@ -14073,7 +14079,7 @@
           <p:cNvPr id="2" name="Title 1">
             <a:extLst>
               <a:ext uri="{FF2B5EF4-FFF2-40B4-BE49-F238E27FC236}">
-                <a16:creationId xmlns:a16="http://schemas.microsoft.com/office/drawing/2014/main" id="{C0DCA8F7-A7CC-4FD4-B793-24E9151AE80D}"/>
+                <a16:creationId xmlns:a16="http://schemas.microsoft.com/office/drawing/2014/main" id="{CA2C234E-7F22-4C95-B35A-2278F262EE1C}"/>
               </a:ext>
             </a:extLst>
           </p:cNvPr>
@@ -14086,8 +14092,8 @@
         </p:nvSpPr>
         <p:spPr>
           <a:xfrm>
-            <a:off x="526073" y="466578"/>
-            <a:ext cx="11139854" cy="930447"/>
+            <a:off x="674237" y="914400"/>
+            <a:ext cx="3657600" cy="2887579"/>
           </a:xfrm>
         </p:spPr>
         <p:txBody>
@@ -14098,7 +14104,7 @@
           <a:p>
             <a:pPr algn="ctr"/>
             <a:r>
-              <a:rPr lang="en-US" sz="5400" kern="1200" dirty="0" err="1">
+              <a:rPr lang="en-US" sz="4800" kern="1200">
                 <a:solidFill>
                   <a:srgbClr val="FFFFFF"/>
                 </a:solidFill>
@@ -14106,25 +14112,17 @@
                 <a:ea typeface="+mj-ea"/>
                 <a:cs typeface="+mj-cs"/>
               </a:rPr>
-              <a:t>Flujo</a:t>
-            </a:r>
-            <a:endParaRPr lang="en-US" sz="5400" kern="1200" dirty="0">
-              <a:solidFill>
-                <a:srgbClr val="FFFFFF"/>
-              </a:solidFill>
-              <a:latin typeface="+mj-lt"/>
-              <a:ea typeface="+mj-ea"/>
-              <a:cs typeface="+mj-cs"/>
-            </a:endParaRPr>
+              <a:t>Plugins</a:t>
+            </a:r>
           </a:p>
         </p:txBody>
       </p:sp>
       <p:cxnSp>
         <p:nvCxnSpPr>
-          <p:cNvPr id="11" name="Straight Connector 10">
-            <a:extLst>
-              <a:ext uri="{FF2B5EF4-FFF2-40B4-BE49-F238E27FC236}">
-                <a16:creationId xmlns:a16="http://schemas.microsoft.com/office/drawing/2014/main" id="{7E7C77BC-7138-40B1-A15B-20F57A494629}"/>
+          <p:cNvPr id="14" name="Straight Connector 10">
+            <a:extLst>
+              <a:ext uri="{FF2B5EF4-FFF2-40B4-BE49-F238E27FC236}">
+                <a16:creationId xmlns:a16="http://schemas.microsoft.com/office/drawing/2014/main" id="{38FB9660-F42F-4313-BBC4-47C007FE484C}"/>
               </a:ext>
               <a:ext uri="{C183D7F6-B498-43B3-948B-1728B52AA6E4}">
                 <adec:decorative xmlns:adec="http://schemas.microsoft.com/office/drawing/2017/decorative" val="1"/>
@@ -14144,8 +14142,8 @@
         </p:nvCxnSpPr>
         <p:spPr>
           <a:xfrm>
-            <a:off x="2209800" y="1448631"/>
-            <a:ext cx="7772400" cy="0"/>
+            <a:off x="1191126" y="3910267"/>
+            <a:ext cx="2586790" cy="0"/>
           </a:xfrm>
           <a:prstGeom prst="line">
             <a:avLst/>
@@ -14173,17 +14171,19 @@
       </p:cxnSp>
       <p:pic>
         <p:nvPicPr>
-          <p:cNvPr id="4" name="Picture 3">
-            <a:extLst>
-              <a:ext uri="{FF2B5EF4-FFF2-40B4-BE49-F238E27FC236}">
-                <a16:creationId xmlns:a16="http://schemas.microsoft.com/office/drawing/2014/main" id="{F1986709-00B2-4ABE-917E-AF30A0A52FE9}"/>
+          <p:cNvPr id="4" name="Content Placeholder 3">
+            <a:extLst>
+              <a:ext uri="{FF2B5EF4-FFF2-40B4-BE49-F238E27FC236}">
+                <a16:creationId xmlns:a16="http://schemas.microsoft.com/office/drawing/2014/main" id="{7A7F9845-C0DE-4BA1-A2A9-83E5B67F24E1}"/>
               </a:ext>
             </a:extLst>
           </p:cNvPr>
           <p:cNvPicPr>
-            <a:picLocks noChangeAspect="1"/>
+            <a:picLocks noGrp="1" noChangeAspect="1"/>
           </p:cNvPicPr>
-          <p:nvPr/>
+          <p:nvPr>
+            <p:ph idx="1"/>
+          </p:nvPr>
         </p:nvPicPr>
         <p:blipFill>
           <a:blip r:embed="rId2"/>
@@ -14193,8 +14193,8 @@
         </p:blipFill>
         <p:spPr>
           <a:xfrm>
-            <a:off x="1517765" y="2310835"/>
-            <a:ext cx="9296415" cy="4489994"/>
+            <a:off x="5153822" y="631330"/>
+            <a:ext cx="6553545" cy="5603281"/>
           </a:xfrm>
           <a:prstGeom prst="rect">
             <a:avLst/>
@@ -14204,7 +14204,7 @@
     </p:spTree>
     <p:extLst>
       <p:ext uri="{BB962C8B-B14F-4D97-AF65-F5344CB8AC3E}">
-        <p14:creationId xmlns:p14="http://schemas.microsoft.com/office/powerpoint/2010/main" val="2015106681"/>
+        <p14:creationId xmlns:p14="http://schemas.microsoft.com/office/powerpoint/2010/main" val="3728785017"/>
       </p:ext>
     </p:extLst>
   </p:cSld>
